--- a/Unifor - MIA - Transfer Learning and Image Classification.pptx
+++ b/Unifor - MIA - Transfer Learning and Image Classification.pptx
@@ -5,38 +5,39 @@
     <p:sldMasterId id="2147483658" r:id="rId1"/>
   </p:sldMasterIdLst>
   <p:notesMasterIdLst>
-    <p:notesMasterId r:id="rId9"/>
+    <p:notesMasterId r:id="rId10"/>
   </p:notesMasterIdLst>
   <p:sldIdLst>
     <p:sldId id="256" r:id="rId2"/>
     <p:sldId id="257" r:id="rId3"/>
-    <p:sldId id="304" r:id="rId4"/>
-    <p:sldId id="307" r:id="rId5"/>
-    <p:sldId id="308" r:id="rId6"/>
-    <p:sldId id="309" r:id="rId7"/>
-    <p:sldId id="305" r:id="rId8"/>
+    <p:sldId id="310" r:id="rId4"/>
+    <p:sldId id="311" r:id="rId5"/>
+    <p:sldId id="312" r:id="rId6"/>
+    <p:sldId id="314" r:id="rId7"/>
+    <p:sldId id="315" r:id="rId8"/>
+    <p:sldId id="305" r:id="rId9"/>
   </p:sldIdLst>
   <p:sldSz cx="9144000" cy="5143500" type="screen16x9"/>
   <p:notesSz cx="6858000" cy="9144000"/>
   <p:embeddedFontLst>
     <p:embeddedFont>
       <p:font typeface="Calibri" panose="020F0502020204030204" pitchFamily="34" charset="0"/>
-      <p:regular r:id="rId10"/>
-      <p:bold r:id="rId11"/>
-      <p:italic r:id="rId12"/>
-      <p:boldItalic r:id="rId13"/>
+      <p:regular r:id="rId11"/>
+      <p:bold r:id="rId12"/>
+      <p:italic r:id="rId13"/>
+      <p:boldItalic r:id="rId14"/>
     </p:embeddedFont>
     <p:embeddedFont>
       <p:font typeface="Roboto Slab" panose="020B0604020202020204" charset="0"/>
-      <p:regular r:id="rId14"/>
-      <p:bold r:id="rId15"/>
+      <p:regular r:id="rId15"/>
+      <p:bold r:id="rId16"/>
     </p:embeddedFont>
     <p:embeddedFont>
       <p:font typeface="Source Sans Pro" panose="020B0503030403020204" pitchFamily="34" charset="0"/>
-      <p:regular r:id="rId16"/>
-      <p:bold r:id="rId17"/>
-      <p:italic r:id="rId18"/>
-      <p:boldItalic r:id="rId19"/>
+      <p:regular r:id="rId17"/>
+      <p:bold r:id="rId18"/>
+      <p:italic r:id="rId19"/>
+      <p:boldItalic r:id="rId20"/>
     </p:embeddedFont>
   </p:embeddedFontLst>
   <p:defaultTextStyle>
@@ -285,7 +286,7 @@
 <file path=ppt/revisionInfo.xml><?xml version="1.0" encoding="utf-8"?>
 <p1510:revInfo xmlns:a="http://schemas.openxmlformats.org/drawingml/2006/main" xmlns:r="http://schemas.openxmlformats.org/officeDocument/2006/relationships" xmlns:p1510="http://schemas.microsoft.com/office/powerpoint/2015/10/main">
   <p1510:revLst>
-    <p1510:client id="{66A688C0-1C17-49CD-B637-43B8D041407A}" v="9" dt="2022-02-11T00:16:03.950"/>
+    <p1510:client id="{6AAF3DE3-0527-4A76-9878-580BCE94F0A0}" v="10" dt="2022-03-03T00:58:05.204"/>
   </p1510:revLst>
 </p1510:revInfo>
 </file>
@@ -679,8 +680,8 @@
   </pc:docChgLst>
   <pc:docChgLst>
     <pc:chgData name="Daniel Moraes" userId="144a75537213c347" providerId="LiveId" clId="{6AAF3DE3-0527-4A76-9878-580BCE94F0A0}"/>
-    <pc:docChg chg="modSld">
-      <pc:chgData name="Daniel Moraes" userId="144a75537213c347" providerId="LiveId" clId="{6AAF3DE3-0527-4A76-9878-580BCE94F0A0}" dt="2022-02-11T20:32:43.161" v="1" actId="20577"/>
+    <pc:docChg chg="undo redo custSel addSld delSld modSld sldOrd">
+      <pc:chgData name="Daniel Moraes" userId="144a75537213c347" providerId="LiveId" clId="{6AAF3DE3-0527-4A76-9878-580BCE94F0A0}" dt="2022-03-03T01:04:32.271" v="2073" actId="20577"/>
       <pc:docMkLst>
         <pc:docMk/>
       </pc:docMkLst>
@@ -698,6 +699,249 @@
             <ac:spMk id="70" creationId="{00000000-0000-0000-0000-000000000000}"/>
           </ac:spMkLst>
         </pc:spChg>
+      </pc:sldChg>
+      <pc:sldChg chg="addSp delSp modSp mod">
+        <pc:chgData name="Daniel Moraes" userId="144a75537213c347" providerId="LiveId" clId="{6AAF3DE3-0527-4A76-9878-580BCE94F0A0}" dt="2022-03-03T00:28:37.019" v="486" actId="14100"/>
+        <pc:sldMkLst>
+          <pc:docMk/>
+          <pc:sldMk cId="0" sldId="257"/>
+        </pc:sldMkLst>
+        <pc:spChg chg="mod">
+          <ac:chgData name="Daniel Moraes" userId="144a75537213c347" providerId="LiveId" clId="{6AAF3DE3-0527-4A76-9878-580BCE94F0A0}" dt="2022-03-03T00:28:37.019" v="486" actId="14100"/>
+          <ac:spMkLst>
+            <pc:docMk/>
+            <pc:sldMk cId="0" sldId="257"/>
+            <ac:spMk id="76" creationId="{00000000-0000-0000-0000-000000000000}"/>
+          </ac:spMkLst>
+        </pc:spChg>
+        <pc:picChg chg="add mod">
+          <ac:chgData name="Daniel Moraes" userId="144a75537213c347" providerId="LiveId" clId="{6AAF3DE3-0527-4A76-9878-580BCE94F0A0}" dt="2022-03-03T00:27:37.493" v="331" actId="1076"/>
+          <ac:picMkLst>
+            <pc:docMk/>
+            <pc:sldMk cId="0" sldId="257"/>
+            <ac:picMk id="3" creationId="{100446DA-B976-4510-93BD-CA6544FB0F9A}"/>
+          </ac:picMkLst>
+        </pc:picChg>
+        <pc:picChg chg="del">
+          <ac:chgData name="Daniel Moraes" userId="144a75537213c347" providerId="LiveId" clId="{6AAF3DE3-0527-4A76-9878-580BCE94F0A0}" dt="2022-03-03T00:27:30.699" v="327" actId="478"/>
+          <ac:picMkLst>
+            <pc:docMk/>
+            <pc:sldMk cId="0" sldId="257"/>
+            <ac:picMk id="4" creationId="{9681CFD3-B85C-4CE5-A3A7-BFAE348DE0AE}"/>
+          </ac:picMkLst>
+        </pc:picChg>
+      </pc:sldChg>
+      <pc:sldChg chg="del">
+        <pc:chgData name="Daniel Moraes" userId="144a75537213c347" providerId="LiveId" clId="{6AAF3DE3-0527-4A76-9878-580BCE94F0A0}" dt="2022-03-03T00:47:12.121" v="1233" actId="47"/>
+        <pc:sldMkLst>
+          <pc:docMk/>
+          <pc:sldMk cId="4073329601" sldId="304"/>
+        </pc:sldMkLst>
+      </pc:sldChg>
+      <pc:sldChg chg="del">
+        <pc:chgData name="Daniel Moraes" userId="144a75537213c347" providerId="LiveId" clId="{6AAF3DE3-0527-4A76-9878-580BCE94F0A0}" dt="2022-03-03T00:47:12.121" v="1233" actId="47"/>
+        <pc:sldMkLst>
+          <pc:docMk/>
+          <pc:sldMk cId="517462430" sldId="307"/>
+        </pc:sldMkLst>
+      </pc:sldChg>
+      <pc:sldChg chg="del">
+        <pc:chgData name="Daniel Moraes" userId="144a75537213c347" providerId="LiveId" clId="{6AAF3DE3-0527-4A76-9878-580BCE94F0A0}" dt="2022-03-03T00:47:12.121" v="1233" actId="47"/>
+        <pc:sldMkLst>
+          <pc:docMk/>
+          <pc:sldMk cId="4184393404" sldId="308"/>
+        </pc:sldMkLst>
+      </pc:sldChg>
+      <pc:sldChg chg="del">
+        <pc:chgData name="Daniel Moraes" userId="144a75537213c347" providerId="LiveId" clId="{6AAF3DE3-0527-4A76-9878-580BCE94F0A0}" dt="2022-03-03T00:47:20.041" v="1234" actId="47"/>
+        <pc:sldMkLst>
+          <pc:docMk/>
+          <pc:sldMk cId="4232924371" sldId="309"/>
+        </pc:sldMkLst>
+      </pc:sldChg>
+      <pc:sldChg chg="delSp modSp add mod ord">
+        <pc:chgData name="Daniel Moraes" userId="144a75537213c347" providerId="LiveId" clId="{6AAF3DE3-0527-4A76-9878-580BCE94F0A0}" dt="2022-03-03T00:43:58.899" v="1070" actId="5793"/>
+        <pc:sldMkLst>
+          <pc:docMk/>
+          <pc:sldMk cId="2906519474" sldId="310"/>
+        </pc:sldMkLst>
+        <pc:spChg chg="mod">
+          <ac:chgData name="Daniel Moraes" userId="144a75537213c347" providerId="LiveId" clId="{6AAF3DE3-0527-4A76-9878-580BCE94F0A0}" dt="2022-03-03T00:43:58.899" v="1070" actId="5793"/>
+          <ac:spMkLst>
+            <pc:docMk/>
+            <pc:sldMk cId="2906519474" sldId="310"/>
+            <ac:spMk id="76" creationId="{00000000-0000-0000-0000-000000000000}"/>
+          </ac:spMkLst>
+        </pc:spChg>
+        <pc:picChg chg="del">
+          <ac:chgData name="Daniel Moraes" userId="144a75537213c347" providerId="LiveId" clId="{6AAF3DE3-0527-4A76-9878-580BCE94F0A0}" dt="2022-03-03T00:21:06.250" v="50" actId="478"/>
+          <ac:picMkLst>
+            <pc:docMk/>
+            <pc:sldMk cId="2906519474" sldId="310"/>
+            <ac:picMk id="4" creationId="{9681CFD3-B85C-4CE5-A3A7-BFAE348DE0AE}"/>
+          </ac:picMkLst>
+        </pc:picChg>
+      </pc:sldChg>
+      <pc:sldChg chg="addSp delSp modSp add mod">
+        <pc:chgData name="Daniel Moraes" userId="144a75537213c347" providerId="LiveId" clId="{6AAF3DE3-0527-4A76-9878-580BCE94F0A0}" dt="2022-03-03T00:44:19.226" v="1073" actId="1076"/>
+        <pc:sldMkLst>
+          <pc:docMk/>
+          <pc:sldMk cId="283072737" sldId="311"/>
+        </pc:sldMkLst>
+        <pc:spChg chg="mod">
+          <ac:chgData name="Daniel Moraes" userId="144a75537213c347" providerId="LiveId" clId="{6AAF3DE3-0527-4A76-9878-580BCE94F0A0}" dt="2022-03-03T00:42:03.835" v="1024" actId="20577"/>
+          <ac:spMkLst>
+            <pc:docMk/>
+            <pc:sldMk cId="283072737" sldId="311"/>
+            <ac:spMk id="76" creationId="{00000000-0000-0000-0000-000000000000}"/>
+          </ac:spMkLst>
+        </pc:spChg>
+        <pc:picChg chg="del">
+          <ac:chgData name="Daniel Moraes" userId="144a75537213c347" providerId="LiveId" clId="{6AAF3DE3-0527-4A76-9878-580BCE94F0A0}" dt="2022-03-03T00:32:38.557" v="565" actId="478"/>
+          <ac:picMkLst>
+            <pc:docMk/>
+            <pc:sldMk cId="283072737" sldId="311"/>
+            <ac:picMk id="3" creationId="{100446DA-B976-4510-93BD-CA6544FB0F9A}"/>
+          </ac:picMkLst>
+        </pc:picChg>
+        <pc:picChg chg="add mod">
+          <ac:chgData name="Daniel Moraes" userId="144a75537213c347" providerId="LiveId" clId="{6AAF3DE3-0527-4A76-9878-580BCE94F0A0}" dt="2022-03-03T00:44:19.226" v="1073" actId="1076"/>
+          <ac:picMkLst>
+            <pc:docMk/>
+            <pc:sldMk cId="283072737" sldId="311"/>
+            <ac:picMk id="4" creationId="{5118CBBD-A0F2-4C0C-BFE4-34384F0BDB8D}"/>
+          </ac:picMkLst>
+        </pc:picChg>
+      </pc:sldChg>
+      <pc:sldChg chg="addSp modSp add mod">
+        <pc:chgData name="Daniel Moraes" userId="144a75537213c347" providerId="LiveId" clId="{6AAF3DE3-0527-4A76-9878-580BCE94F0A0}" dt="2022-03-03T00:45:55.505" v="1231" actId="20577"/>
+        <pc:sldMkLst>
+          <pc:docMk/>
+          <pc:sldMk cId="1498679729" sldId="312"/>
+        </pc:sldMkLst>
+        <pc:spChg chg="add mod">
+          <ac:chgData name="Daniel Moraes" userId="144a75537213c347" providerId="LiveId" clId="{6AAF3DE3-0527-4A76-9878-580BCE94F0A0}" dt="2022-03-03T00:45:55.505" v="1231" actId="20577"/>
+          <ac:spMkLst>
+            <pc:docMk/>
+            <pc:sldMk cId="1498679729" sldId="312"/>
+            <ac:spMk id="2" creationId="{9BC18D26-D0B1-4A72-95FA-CCFEF6F4FD88}"/>
+          </ac:spMkLst>
+        </pc:spChg>
+        <pc:spChg chg="mod">
+          <ac:chgData name="Daniel Moraes" userId="144a75537213c347" providerId="LiveId" clId="{6AAF3DE3-0527-4A76-9878-580BCE94F0A0}" dt="2022-03-03T00:44:44.675" v="1074" actId="14100"/>
+          <ac:spMkLst>
+            <pc:docMk/>
+            <pc:sldMk cId="1498679729" sldId="312"/>
+            <ac:spMk id="76" creationId="{00000000-0000-0000-0000-000000000000}"/>
+          </ac:spMkLst>
+        </pc:spChg>
+      </pc:sldChg>
+      <pc:sldChg chg="add del">
+        <pc:chgData name="Daniel Moraes" userId="144a75537213c347" providerId="LiveId" clId="{6AAF3DE3-0527-4A76-9878-580BCE94F0A0}" dt="2022-03-03T00:47:38.345" v="1239" actId="47"/>
+        <pc:sldMkLst>
+          <pc:docMk/>
+          <pc:sldMk cId="1575743704" sldId="313"/>
+        </pc:sldMkLst>
+      </pc:sldChg>
+      <pc:sldChg chg="add del">
+        <pc:chgData name="Daniel Moraes" userId="144a75537213c347" providerId="LiveId" clId="{6AAF3DE3-0527-4A76-9878-580BCE94F0A0}" dt="2022-03-03T00:46:46.126" v="1232" actId="47"/>
+        <pc:sldMkLst>
+          <pc:docMk/>
+          <pc:sldMk cId="3781916011" sldId="313"/>
+        </pc:sldMkLst>
+      </pc:sldChg>
+      <pc:sldChg chg="addSp delSp modSp add mod ord">
+        <pc:chgData name="Daniel Moraes" userId="144a75537213c347" providerId="LiveId" clId="{6AAF3DE3-0527-4A76-9878-580BCE94F0A0}" dt="2022-03-03T01:04:32.271" v="2073" actId="20577"/>
+        <pc:sldMkLst>
+          <pc:docMk/>
+          <pc:sldMk cId="3388787160" sldId="314"/>
+        </pc:sldMkLst>
+        <pc:spChg chg="mod">
+          <ac:chgData name="Daniel Moraes" userId="144a75537213c347" providerId="LiveId" clId="{6AAF3DE3-0527-4A76-9878-580BCE94F0A0}" dt="2022-03-03T00:48:09.561" v="1268" actId="20577"/>
+          <ac:spMkLst>
+            <pc:docMk/>
+            <pc:sldMk cId="3388787160" sldId="314"/>
+            <ac:spMk id="75" creationId="{00000000-0000-0000-0000-000000000000}"/>
+          </ac:spMkLst>
+        </pc:spChg>
+        <pc:spChg chg="mod">
+          <ac:chgData name="Daniel Moraes" userId="144a75537213c347" providerId="LiveId" clId="{6AAF3DE3-0527-4A76-9878-580BCE94F0A0}" dt="2022-03-03T01:04:32.271" v="2073" actId="20577"/>
+          <ac:spMkLst>
+            <pc:docMk/>
+            <pc:sldMk cId="3388787160" sldId="314"/>
+            <ac:spMk id="76" creationId="{00000000-0000-0000-0000-000000000000}"/>
+          </ac:spMkLst>
+        </pc:spChg>
+        <pc:picChg chg="add del mod">
+          <ac:chgData name="Daniel Moraes" userId="144a75537213c347" providerId="LiveId" clId="{6AAF3DE3-0527-4A76-9878-580BCE94F0A0}" dt="2022-03-03T00:54:28.013" v="1612" actId="22"/>
+          <ac:picMkLst>
+            <pc:docMk/>
+            <pc:sldMk cId="3388787160" sldId="314"/>
+            <ac:picMk id="3" creationId="{F24B2D01-9B93-4733-A8EA-48922FEE59D3}"/>
+          </ac:picMkLst>
+        </pc:picChg>
+        <pc:picChg chg="del">
+          <ac:chgData name="Daniel Moraes" userId="144a75537213c347" providerId="LiveId" clId="{6AAF3DE3-0527-4A76-9878-580BCE94F0A0}" dt="2022-03-03T00:51:06.707" v="1352" actId="478"/>
+          <ac:picMkLst>
+            <pc:docMk/>
+            <pc:sldMk cId="3388787160" sldId="314"/>
+            <ac:picMk id="4" creationId="{5118CBBD-A0F2-4C0C-BFE4-34384F0BDB8D}"/>
+          </ac:picMkLst>
+        </pc:picChg>
+        <pc:picChg chg="add del">
+          <ac:chgData name="Daniel Moraes" userId="144a75537213c347" providerId="LiveId" clId="{6AAF3DE3-0527-4A76-9878-580BCE94F0A0}" dt="2022-03-03T00:54:25.749" v="1606" actId="22"/>
+          <ac:picMkLst>
+            <pc:docMk/>
+            <pc:sldMk cId="3388787160" sldId="314"/>
+            <ac:picMk id="6" creationId="{65382A30-7E9E-4E1E-AEC1-1F2DA32847DD}"/>
+          </ac:picMkLst>
+        </pc:picChg>
+        <pc:picChg chg="add mod">
+          <ac:chgData name="Daniel Moraes" userId="144a75537213c347" providerId="LiveId" clId="{6AAF3DE3-0527-4A76-9878-580BCE94F0A0}" dt="2022-03-03T00:54:38.522" v="1616" actId="1076"/>
+          <ac:picMkLst>
+            <pc:docMk/>
+            <pc:sldMk cId="3388787160" sldId="314"/>
+            <ac:picMk id="10" creationId="{E571F547-0077-4461-BC21-215481326F96}"/>
+          </ac:picMkLst>
+        </pc:picChg>
+      </pc:sldChg>
+      <pc:sldChg chg="addSp delSp modSp add mod">
+        <pc:chgData name="Daniel Moraes" userId="144a75537213c347" providerId="LiveId" clId="{6AAF3DE3-0527-4A76-9878-580BCE94F0A0}" dt="2022-03-03T00:59:34.073" v="2070" actId="20577"/>
+        <pc:sldMkLst>
+          <pc:docMk/>
+          <pc:sldMk cId="1325084943" sldId="315"/>
+        </pc:sldMkLst>
+        <pc:spChg chg="mod">
+          <ac:chgData name="Daniel Moraes" userId="144a75537213c347" providerId="LiveId" clId="{6AAF3DE3-0527-4A76-9878-580BCE94F0A0}" dt="2022-03-03T00:59:34.073" v="2070" actId="20577"/>
+          <ac:spMkLst>
+            <pc:docMk/>
+            <pc:sldMk cId="1325084943" sldId="315"/>
+            <ac:spMk id="76" creationId="{00000000-0000-0000-0000-000000000000}"/>
+          </ac:spMkLst>
+        </pc:spChg>
+        <pc:picChg chg="add mod">
+          <ac:chgData name="Daniel Moraes" userId="144a75537213c347" providerId="LiveId" clId="{6AAF3DE3-0527-4A76-9878-580BCE94F0A0}" dt="2022-03-03T00:58:48.765" v="1905" actId="1076"/>
+          <ac:picMkLst>
+            <pc:docMk/>
+            <pc:sldMk cId="1325084943" sldId="315"/>
+            <ac:picMk id="3" creationId="{CB33549B-5F68-4641-B9F2-2226A6E9AB9F}"/>
+          </ac:picMkLst>
+        </pc:picChg>
+        <pc:picChg chg="del">
+          <ac:chgData name="Daniel Moraes" userId="144a75537213c347" providerId="LiveId" clId="{6AAF3DE3-0527-4A76-9878-580BCE94F0A0}" dt="2022-03-03T00:58:43.006" v="1902" actId="478"/>
+          <ac:picMkLst>
+            <pc:docMk/>
+            <pc:sldMk cId="1325084943" sldId="315"/>
+            <ac:picMk id="10" creationId="{E571F547-0077-4461-BC21-215481326F96}"/>
+          </ac:picMkLst>
+        </pc:picChg>
+      </pc:sldChg>
+      <pc:sldChg chg="add del">
+        <pc:chgData name="Daniel Moraes" userId="144a75537213c347" providerId="LiveId" clId="{6AAF3DE3-0527-4A76-9878-580BCE94F0A0}" dt="2022-03-03T00:55:02.547" v="1619" actId="47"/>
+        <pc:sldMkLst>
+          <pc:docMk/>
+          <pc:sldMk cId="1176183165" sldId="316"/>
+        </pc:sldMkLst>
       </pc:sldChg>
     </pc:docChg>
   </pc:docChgLst>
@@ -1351,9 +1595,9 @@
 </p188:cmLst>
 </file>
 
-<file path=ppt/comments/modernComment_130_F2CA13C1.xml><?xml version="1.0" encoding="utf-8"?>
+<file path=ppt/comments/modernComment_136_AD3DF7B2.xml><?xml version="1.0" encoding="utf-8"?>
 <p188:cmLst xmlns:a="http://schemas.openxmlformats.org/drawingml/2006/main" xmlns:r="http://schemas.openxmlformats.org/officeDocument/2006/relationships" xmlns:p188="http://schemas.microsoft.com/office/powerpoint/2018/8/main">
-  <p188:cm id="{9D4441BE-D1A4-4DDE-A201-738B53AF7DF6}" authorId="{224E92E1-45C5-2E9F-2EE4-544221690940}" created="2022-02-10T23:40:37.984">
+  <p188:cm id="{D564DA77-9E03-49A6-8322-9B75A920D076}" authorId="{224E92E1-45C5-2E9F-2EE4-544221690940}" created="2022-02-10T23:40:37.984">
     <pc:sldMkLst xmlns:pc="http://schemas.microsoft.com/office/powerpoint/2013/main/command">
       <pc:docMk/>
       <pc:sldMk cId="0" sldId="257"/>
@@ -1365,11 +1609,12 @@
         <a:r>
           <a:rPr lang="pt-BR"/>
           <a:t>1.
-Desafiador considerando o tempo e esforço que levaríamos para rotular tais dados.
-2.
-Um exemplo simples seria o conjunto de dados ImageNet , que possui milhões de imagens pertencentes a diferentes categorias, graças a anos de trabalho árduo começando em Stanford!
+Treinar uma rede neural convolucional do zero apresenta muitos desafios, principalmente a quantidade de dados para treinar a rede e o tempo necessário para que o treinamento ocorra.
+2. Texto na apresentação
 3.
-Extremamente importante para o foco do nosso estudo de quedas dos idoso.</a:t>
+Por exemplo, suponha que um modelo seja treinado para classificação de imagem no conjunto de dados ImageNet. Nesse caso, podemos pegar esse modelo e “retreiná-lo” para reconhecer classes que nunca foram treinadas para reconhecer em primeiro lugar! 
+Ex:
+Imagine, você sabe andar de bicicleta e quer andar de moto. Sua experiência de andar de bicicleta – manter o equilíbrio, manter a direção, virar e frear – o ajudará a aprender a andar de moto mais rápido. </a:t>
         </a:r>
       </a:p>
     </p188:txBody>
@@ -1377,9 +1622,9 @@
 </p188:cmLst>
 </file>
 
-<file path=ppt/comments/modernComment_133_1ED7D99E.xml><?xml version="1.0" encoding="utf-8"?>
+<file path=ppt/comments/modernComment_137_10DF58E1.xml><?xml version="1.0" encoding="utf-8"?>
 <p188:cmLst xmlns:a="http://schemas.openxmlformats.org/drawingml/2006/main" xmlns:r="http://schemas.openxmlformats.org/officeDocument/2006/relationships" xmlns:p188="http://schemas.microsoft.com/office/powerpoint/2018/8/main">
-  <p188:cm id="{47E836CB-2731-4A20-BF73-2FF2471880F7}" authorId="{224E92E1-45C5-2E9F-2EE4-544221690940}" created="2022-02-10T23:40:37.984">
+  <p188:cm id="{ACFA83A9-7177-4225-8794-D7FC8B794B26}" authorId="{224E92E1-45C5-2E9F-2EE4-544221690940}" created="2022-02-10T23:40:37.984">
     <pc:sldMkLst xmlns:pc="http://schemas.microsoft.com/office/powerpoint/2013/main/command">
       <pc:docMk/>
       <pc:sldMk cId="0" sldId="257"/>
@@ -1391,12 +1636,12 @@
         <a:r>
           <a:rPr lang="pt-BR"/>
           <a:t>1.
-Existem dois tipos principais de aprendizagem por transferência que são
-2.
-O primeiro método tende a ser mais fácil de trabalhar, pois há menos código envolvido e menos parâmetros para ajustar. 
-No entanto, o segundo método tende a ser mais preciso, levando a modelos que generalizam melhor.
-Tanto o aprendizado de transferência por extração de recursos quanto o ajuste fino podem ser implementados com o PyTorch.
-</a:t>
+Treinar uma rede neural convolucional do zero apresenta muitos desafios, principalmente a quantidade de dados para treinar a rede e o tempo necessário para que o treinamento ocorra.
+2. Texto na apresentação
+3.
+Por exemplo, suponha que um modelo seja treinado para classificação de imagem no conjunto de dados ImageNet. Nesse caso, podemos pegar esse modelo e “retreiná-lo” para reconhecer classes que nunca foram treinadas para reconhecer em primeiro lugar! 
+Ex:
+Imagine, você sabe andar de bicicleta e quer andar de moto. Sua experiência de andar de bicicleta – manter o equilíbrio, manter a direção, virar e frear – o ajudará a aprender a andar de moto mais rápido. </a:t>
         </a:r>
       </a:p>
     </p188:txBody>
@@ -1404,9 +1649,9 @@
 </p188:cmLst>
 </file>
 
-<file path=ppt/comments/modernComment_134_F968C6BC.xml><?xml version="1.0" encoding="utf-8"?>
+<file path=ppt/comments/modernComment_138_595409B1.xml><?xml version="1.0" encoding="utf-8"?>
 <p188:cmLst xmlns:a="http://schemas.openxmlformats.org/drawingml/2006/main" xmlns:r="http://schemas.openxmlformats.org/officeDocument/2006/relationships" xmlns:p188="http://schemas.microsoft.com/office/powerpoint/2018/8/main">
-  <p188:cm id="{A1DE23FD-45A3-47F9-B338-950D6549FAEF}" authorId="{224E92E1-45C5-2E9F-2EE4-544221690940}" created="2022-02-10T23:40:37.984">
+  <p188:cm id="{7C20F5F1-6940-4DE9-B4AD-1C6EF05FB0E9}" authorId="{224E92E1-45C5-2E9F-2EE4-544221690940}" created="2022-02-10T23:40:37.984">
     <pc:sldMkLst xmlns:pc="http://schemas.microsoft.com/office/powerpoint/2013/main/command">
       <pc:docMk/>
       <pc:sldMk cId="0" sldId="257"/>
@@ -1418,14 +1663,12 @@
         <a:r>
           <a:rPr lang="pt-BR"/>
           <a:t>1.
-O ajuste fino é uma técnica mais envolvente, onde não apenas substituímos a camada final (para classificação/regressão), mas também treinamos seletivamente algumas das camadas anteriores. 
-Aqui estamos usando o TochVission para trinar nosso modelo e neste caso ....
-1.
-Existem duas situações comuns em que se pode querer modificar um dos modelos disponíveis no torchvision.
-A primeira é quando queremos começar a partir de um modelo pré-treinado e apenas ajustar a última camada. 
-A outra é quando queremos substituir o backbone do modelo por um diferente (para previsões mais rápidas, por exemplo). 
-No nosso caso, acredito que queremos ajustar a partir de um modelo pré-treinado, é bem provável que nosso conjunto de dados seja pequeno e já esteja classificado.
-</a:t>
+Treinar uma rede neural convolucional do zero apresenta muitos desafios, principalmente a quantidade de dados para treinar a rede e o tempo necessário para que o treinamento ocorra.
+2. Texto na apresentação
+3.
+Por exemplo, suponha que um modelo seja treinado para classificação de imagem no conjunto de dados ImageNet. Nesse caso, podemos pegar esse modelo e “retreiná-lo” para reconhecer classes que nunca foram treinadas para reconhecer em primeiro lugar! 
+Ex:
+Imagine, você sabe andar de bicicleta e quer andar de moto. Sua experiência de andar de bicicleta – manter o equilíbrio, manter a direção, virar e frear – o ajudará a aprender a andar de moto mais rápido. </a:t>
         </a:r>
       </a:p>
     </p188:txBody>
@@ -1433,9 +1676,9 @@
 </p188:cmLst>
 </file>
 
-<file path=ppt/comments/modernComment_135_FC4D4CD3.xml><?xml version="1.0" encoding="utf-8"?>
+<file path=ppt/comments/modernComment_13A_C9FCC9D8.xml><?xml version="1.0" encoding="utf-8"?>
 <p188:cmLst xmlns:a="http://schemas.openxmlformats.org/drawingml/2006/main" xmlns:r="http://schemas.openxmlformats.org/officeDocument/2006/relationships" xmlns:p188="http://schemas.microsoft.com/office/powerpoint/2018/8/main">
-  <p188:cm id="{173A5579-8AAE-422C-BC6C-B18A248B7769}" authorId="{224E92E1-45C5-2E9F-2EE4-544221690940}" created="2022-02-10T23:40:37.984">
+  <p188:cm id="{B3383084-CCA6-4B9D-B8C3-AB210C219C94}" authorId="{224E92E1-45C5-2E9F-2EE4-544221690940}" created="2022-02-10T23:40:37.984">
     <pc:sldMkLst xmlns:pc="http://schemas.microsoft.com/office/powerpoint/2013/main/command">
       <pc:docMk/>
       <pc:sldMk cId="0" sldId="257"/>
@@ -1447,12 +1690,39 @@
         <a:r>
           <a:rPr lang="pt-BR"/>
           <a:t>1.
-A aprendizagem por transferência, como vimos até agora, é ter a capacidade de utilizar o conhecimento existente do aprendiz de origem na tarefa de destino.
-O que transferir: Este é o primeiro e mais importante passo de todo o processo. Tentamos buscar respostas sobre qual parte do conhecimento pode ser transferida da fonte para o alvo para melhorar o desempenho da tarefa alvo. Ao tentar responder a essa pergunta, tentamos identificar qual parte do conhecimento é específica da fonte e o que é comum entre a fonte e o destino.
-Quando transferir: Pode haver cenários em que a transferência de conhecimento por causa disso pode piorar as coisas do que melhorar qualquer coisa (também conhecida como transferência negativa). Devemos ter como objetivo utilizar o aprendizado de transferência para melhorar o desempenho/resultados da tarefa alvo e não degradá-los. Precisamos ter cuidado sobre quando transferir e quando não.
-Como transferir: Uma vez respondido o quê e quando , podemos proceder à identificação de formas de realmente transferir o conhecimento entre domínios/tarefas. Isso envolve alterações em algoritmos existentes e técnicas diferentes, que abordaremos em seções posteriores deste artigo. Além disso, estudos de caso específicos são alinhados no final para uma melhor compreensão de como transferir.
-A transferência negativa refere-se a cenários em que a transferência de conhecimento da fonte para o destino não leva a nenhuma melhoria, mas causa uma queda no desempenho geral da tarefa de destino. Pode haver vários motivos para a transferência negativa, como casos em que a tarefa de origem não está suficientemente relacionada à tarefa de destino ou se o método de transferência não puder aproveitar muito bem o relacionamento entre as tarefas de origem e de destino.  
-Quantificar a transferência no aprendizado de transferência também é muito importante, pois afeta a qualidade da transferência e sua viabilidade. </a:t>
+Treinar uma rede neural convolucional do zero apresenta muitos desafios, principalmente a quantidade de dados para treinar a rede e o tempo necessário para que o treinamento ocorra.
+2. Texto na apresentação
+3.
+Por exemplo, suponha que um modelo seja treinado para classificação de imagem no conjunto de dados ImageNet. Nesse caso, podemos pegar esse modelo e “retreiná-lo” para reconhecer classes que nunca foram treinadas para reconhecer em primeiro lugar! 
+Ex:
+Imagine, você sabe andar de bicicleta e quer andar de moto. Sua experiência de andar de bicicleta – manter o equilíbrio, manter a direção, virar e frear – o ajudará a aprender a andar de moto mais rápido. </a:t>
+        </a:r>
+      </a:p>
+    </p188:txBody>
+  </p188:cm>
+</p188:cmLst>
+</file>
+
+<file path=ppt/comments/modernComment_13B_4EFB310F.xml><?xml version="1.0" encoding="utf-8"?>
+<p188:cmLst xmlns:a="http://schemas.openxmlformats.org/drawingml/2006/main" xmlns:r="http://schemas.openxmlformats.org/officeDocument/2006/relationships" xmlns:p188="http://schemas.microsoft.com/office/powerpoint/2018/8/main">
+  <p188:cm id="{4C9FCE34-D1E8-4831-86AD-FA091CF2FA4F}" authorId="{224E92E1-45C5-2E9F-2EE4-544221690940}" created="2022-02-10T23:40:37.984">
+    <pc:sldMkLst xmlns:pc="http://schemas.microsoft.com/office/powerpoint/2013/main/command">
+      <pc:docMk/>
+      <pc:sldMk cId="0" sldId="257"/>
+    </pc:sldMkLst>
+    <p188:txBody>
+      <a:bodyPr/>
+      <a:lstStyle/>
+      <a:p>
+        <a:r>
+          <a:rPr lang="pt-BR"/>
+          <a:t>1.
+Treinar uma rede neural convolucional do zero apresenta muitos desafios, principalmente a quantidade de dados para treinar a rede e o tempo necessário para que o treinamento ocorra.
+2. Texto na apresentação
+3.
+Por exemplo, suponha que um modelo seja treinado para classificação de imagem no conjunto de dados ImageNet. Nesse caso, podemos pegar esse modelo e “retreiná-lo” para reconhecer classes que nunca foram treinadas para reconhecer em primeiro lugar! 
+Ex:
+Imagine, você sabe andar de bicicleta e quer andar de moto. Sua experiência de andar de bicicleta – manter o equilíbrio, manter a direção, virar e frear – o ajudará a aprender a andar de moto mais rápido. </a:t>
         </a:r>
       </a:p>
     </p188:txBody>
@@ -2208,7 +2478,7 @@
     </p:spTree>
     <p:extLst>
       <p:ext uri="{BB962C8B-B14F-4D97-AF65-F5344CB8AC3E}">
-        <p14:creationId xmlns:p14="http://schemas.microsoft.com/office/powerpoint/2010/main" val="3072139421"/>
+        <p14:creationId xmlns:p14="http://schemas.microsoft.com/office/powerpoint/2010/main" val="3842784365"/>
       </p:ext>
     </p:extLst>
   </p:cSld>
@@ -2317,7 +2587,7 @@
     </p:spTree>
     <p:extLst>
       <p:ext uri="{BB962C8B-B14F-4D97-AF65-F5344CB8AC3E}">
-        <p14:creationId xmlns:p14="http://schemas.microsoft.com/office/powerpoint/2010/main" val="2240016697"/>
+        <p14:creationId xmlns:p14="http://schemas.microsoft.com/office/powerpoint/2010/main" val="214961750"/>
       </p:ext>
     </p:extLst>
   </p:cSld>
@@ -2426,7 +2696,7 @@
     </p:spTree>
     <p:extLst>
       <p:ext uri="{BB962C8B-B14F-4D97-AF65-F5344CB8AC3E}">
-        <p14:creationId xmlns:p14="http://schemas.microsoft.com/office/powerpoint/2010/main" val="2224748781"/>
+        <p14:creationId xmlns:p14="http://schemas.microsoft.com/office/powerpoint/2010/main" val="3206398105"/>
       </p:ext>
     </p:extLst>
   </p:cSld>
@@ -2535,7 +2805,7 @@
     </p:spTree>
     <p:extLst>
       <p:ext uri="{BB962C8B-B14F-4D97-AF65-F5344CB8AC3E}">
-        <p14:creationId xmlns:p14="http://schemas.microsoft.com/office/powerpoint/2010/main" val="3859980498"/>
+        <p14:creationId xmlns:p14="http://schemas.microsoft.com/office/powerpoint/2010/main" val="576151870"/>
       </p:ext>
     </p:extLst>
   </p:cSld>
@@ -2546,6 +2816,115 @@
 </file>
 
 <file path=ppt/notesSlides/notesSlide7.xml><?xml version="1.0" encoding="utf-8"?>
+<p:notes xmlns:a="http://schemas.openxmlformats.org/drawingml/2006/main" xmlns:r="http://schemas.openxmlformats.org/officeDocument/2006/relationships" xmlns:p="http://schemas.openxmlformats.org/presentationml/2006/main" showMasterSp="0" showMasterPhAnim="0">
+  <p:cSld>
+    <p:spTree>
+      <p:nvGrpSpPr>
+        <p:cNvPr id="1" name="Shape 71"/>
+        <p:cNvGrpSpPr/>
+        <p:nvPr/>
+      </p:nvGrpSpPr>
+      <p:grpSpPr>
+        <a:xfrm>
+          <a:off x="0" y="0"/>
+          <a:ext cx="0" cy="0"/>
+          <a:chOff x="0" y="0"/>
+          <a:chExt cx="0" cy="0"/>
+        </a:xfrm>
+      </p:grpSpPr>
+      <p:sp>
+        <p:nvSpPr>
+          <p:cNvPr id="72" name="Google Shape;72;g3606f1c2d_30:notes"/>
+          <p:cNvSpPr>
+            <a:spLocks noGrp="1" noRot="1" noChangeAspect="1"/>
+          </p:cNvSpPr>
+          <p:nvPr>
+            <p:ph type="sldImg" idx="2"/>
+          </p:nvPr>
+        </p:nvSpPr>
+        <p:spPr>
+          <a:xfrm>
+            <a:off x="381000" y="685800"/>
+            <a:ext cx="6096000" cy="3429000"/>
+          </a:xfrm>
+          <a:custGeom>
+            <a:avLst/>
+            <a:gdLst/>
+            <a:ahLst/>
+            <a:cxnLst/>
+            <a:rect l="l" t="t" r="r" b="b"/>
+            <a:pathLst>
+              <a:path w="120000" h="120000" extrusionOk="0">
+                <a:moveTo>
+                  <a:pt x="0" y="0"/>
+                </a:moveTo>
+                <a:lnTo>
+                  <a:pt x="120000" y="0"/>
+                </a:lnTo>
+                <a:lnTo>
+                  <a:pt x="120000" y="120000"/>
+                </a:lnTo>
+                <a:lnTo>
+                  <a:pt x="0" y="120000"/>
+                </a:lnTo>
+                <a:close/>
+              </a:path>
+            </a:pathLst>
+          </a:custGeom>
+        </p:spPr>
+      </p:sp>
+      <p:sp>
+        <p:nvSpPr>
+          <p:cNvPr id="73" name="Google Shape;73;g3606f1c2d_30:notes"/>
+          <p:cNvSpPr txBox="1">
+            <a:spLocks noGrp="1"/>
+          </p:cNvSpPr>
+          <p:nvPr>
+            <p:ph type="body" idx="1"/>
+          </p:nvPr>
+        </p:nvSpPr>
+        <p:spPr>
+          <a:xfrm>
+            <a:off x="685800" y="4343400"/>
+            <a:ext cx="5486400" cy="4114800"/>
+          </a:xfrm>
+          <a:prstGeom prst="rect">
+            <a:avLst/>
+          </a:prstGeom>
+        </p:spPr>
+        <p:txBody>
+          <a:bodyPr spcFirstLastPara="1" wrap="square" lIns="91425" tIns="91425" rIns="91425" bIns="91425" anchor="t" anchorCtr="0">
+            <a:noAutofit/>
+          </a:bodyPr>
+          <a:lstStyle/>
+          <a:p>
+            <a:pPr marL="0" lvl="0" indent="0" algn="l" rtl="0">
+              <a:spcBef>
+                <a:spcPts val="0"/>
+              </a:spcBef>
+              <a:spcAft>
+                <a:spcPts val="0"/>
+              </a:spcAft>
+              <a:buNone/>
+            </a:pPr>
+            <a:endParaRPr/>
+          </a:p>
+        </p:txBody>
+      </p:sp>
+    </p:spTree>
+    <p:extLst>
+      <p:ext uri="{BB962C8B-B14F-4D97-AF65-F5344CB8AC3E}">
+        <p14:creationId xmlns:p14="http://schemas.microsoft.com/office/powerpoint/2010/main" val="802563487"/>
+      </p:ext>
+    </p:extLst>
+  </p:cSld>
+  <p:clrMapOvr>
+    <a:masterClrMapping/>
+  </p:clrMapOvr>
+</p:notes>
+</file>
+
+<file path=ppt/notesSlides/notesSlide8.xml><?xml version="1.0" encoding="utf-8"?>
 <p:notes xmlns:a="http://schemas.openxmlformats.org/drawingml/2006/main" xmlns:r="http://schemas.openxmlformats.org/officeDocument/2006/relationships" xmlns:p="http://schemas.openxmlformats.org/presentationml/2006/main" showMasterSp="0" showMasterPhAnim="0">
   <p:cSld>
     <p:spTree>
@@ -5585,8 +5964,8 @@
         </p:nvSpPr>
         <p:spPr>
           <a:xfrm>
-            <a:off x="786150" y="914801"/>
-            <a:ext cx="6755878" cy="1156885"/>
+            <a:off x="786149" y="914801"/>
+            <a:ext cx="7407731" cy="1156885"/>
           </a:xfrm>
           <a:prstGeom prst="rect">
             <a:avLst/>
@@ -5621,7 +6000,7 @@
                 <a:cs typeface="Source Sans Pro"/>
                 <a:sym typeface="Source Sans Pro"/>
               </a:rPr>
-              <a:t>Transfer Learning and Image Classification</a:t>
+              <a:t>Transfer Learning</a:t>
             </a:r>
             <a:endParaRPr dirty="0">
               <a:solidFill>
@@ -5634,13 +6013,10 @@
             </a:endParaRPr>
           </a:p>
           <a:p>
-            <a:pPr lvl="0" algn="just" rtl="0">
+            <a:pPr algn="just">
               <a:spcBef>
                 <a:spcPts val="600"/>
               </a:spcBef>
-              <a:spcAft>
-                <a:spcPts val="0"/>
-              </a:spcAft>
               <a:buClr>
                 <a:schemeClr val="dk1"/>
               </a:buClr>
@@ -5656,8 +6032,114 @@
                 <a:cs typeface="Source Sans Pro"/>
                 <a:sym typeface="Source Sans Pro"/>
               </a:rPr>
-              <a:t>Basicamente é uma técnica que nos permite usar um modelo treinado para uma determinada tarefa como ponto de partida para um modelo de aprendizado de máquina para uma tarefa diferente, de um novo domínio.</a:t>
-            </a:r>
+              <a:t>Basicamente é treinar um modelo em grandes quantidades de dados por um longo tempo para a Tarefa A e depois usar esse modelo </a:t>
+            </a:r>
+            <a:r>
+              <a:rPr lang="pt-BR" dirty="0" err="1">
+                <a:solidFill>
+                  <a:srgbClr val="263238"/>
+                </a:solidFill>
+                <a:latin typeface="Source Sans Pro"/>
+                <a:ea typeface="Source Sans Pro"/>
+                <a:cs typeface="Source Sans Pro"/>
+                <a:sym typeface="Source Sans Pro"/>
+              </a:rPr>
+              <a:t>pré</a:t>
+            </a:r>
+            <a:r>
+              <a:rPr lang="pt-BR" dirty="0">
+                <a:solidFill>
+                  <a:srgbClr val="263238"/>
+                </a:solidFill>
+                <a:latin typeface="Source Sans Pro"/>
+                <a:ea typeface="Source Sans Pro"/>
+                <a:cs typeface="Source Sans Pro"/>
+                <a:sym typeface="Source Sans Pro"/>
+              </a:rPr>
+              <a:t>-treinado para a Tarefa B.</a:t>
+            </a:r>
+          </a:p>
+          <a:p>
+            <a:pPr lvl="0" algn="just" rtl="0">
+              <a:spcBef>
+                <a:spcPts val="600"/>
+              </a:spcBef>
+              <a:spcAft>
+                <a:spcPts val="0"/>
+              </a:spcAft>
+              <a:buClr>
+                <a:schemeClr val="dk1"/>
+              </a:buClr>
+              <a:buSzPts val="1100"/>
+            </a:pPr>
+            <a:endParaRPr lang="pt-BR" dirty="0">
+              <a:solidFill>
+                <a:srgbClr val="263238"/>
+              </a:solidFill>
+              <a:latin typeface="Source Sans Pro"/>
+              <a:ea typeface="Source Sans Pro"/>
+              <a:cs typeface="Source Sans Pro"/>
+              <a:sym typeface="Source Sans Pro"/>
+            </a:endParaRPr>
+          </a:p>
+          <a:p>
+            <a:pPr lvl="0" algn="just" rtl="0">
+              <a:spcBef>
+                <a:spcPts val="600"/>
+              </a:spcBef>
+              <a:spcAft>
+                <a:spcPts val="0"/>
+              </a:spcAft>
+              <a:buClr>
+                <a:schemeClr val="dk1"/>
+              </a:buClr>
+              <a:buSzPts val="1100"/>
+            </a:pPr>
+            <a:r>
+              <a:rPr lang="pt-BR" dirty="0" err="1">
+                <a:solidFill>
+                  <a:srgbClr val="263238"/>
+                </a:solidFill>
+                <a:latin typeface="Source Sans Pro"/>
+                <a:ea typeface="Source Sans Pro"/>
+                <a:cs typeface="Source Sans Pro"/>
+                <a:sym typeface="Source Sans Pro"/>
+              </a:rPr>
+              <a:t>Ex</a:t>
+            </a:r>
+            <a:r>
+              <a:rPr lang="pt-BR" dirty="0">
+                <a:solidFill>
+                  <a:srgbClr val="263238"/>
+                </a:solidFill>
+                <a:latin typeface="Source Sans Pro"/>
+                <a:ea typeface="Source Sans Pro"/>
+                <a:cs typeface="Source Sans Pro"/>
+                <a:sym typeface="Source Sans Pro"/>
+              </a:rPr>
+              <a:t>: Treinar para aprender tênis e depois usar este modelo para aprender a jogar </a:t>
+            </a:r>
+            <a:r>
+              <a:rPr lang="pt-BR" dirty="0" err="1">
+                <a:solidFill>
+                  <a:srgbClr val="263238"/>
+                </a:solidFill>
+                <a:latin typeface="Source Sans Pro"/>
+                <a:ea typeface="Source Sans Pro"/>
+                <a:cs typeface="Source Sans Pro"/>
+                <a:sym typeface="Source Sans Pro"/>
+              </a:rPr>
+              <a:t>ping-pong</a:t>
+            </a:r>
+            <a:endParaRPr lang="pt-BR" dirty="0">
+              <a:solidFill>
+                <a:srgbClr val="263238"/>
+              </a:solidFill>
+              <a:latin typeface="Source Sans Pro"/>
+              <a:ea typeface="Source Sans Pro"/>
+              <a:cs typeface="Source Sans Pro"/>
+              <a:sym typeface="Source Sans Pro"/>
+            </a:endParaRPr>
           </a:p>
         </p:txBody>
       </p:sp>
@@ -5788,10 +6270,10 @@
       </p:sp>
       <p:pic>
         <p:nvPicPr>
-          <p:cNvPr id="4" name="Imagem 3">
+          <p:cNvPr id="3" name="Imagem 2">
             <a:extLst>
               <a:ext uri="{FF2B5EF4-FFF2-40B4-BE49-F238E27FC236}">
-                <a16:creationId xmlns:a16="http://schemas.microsoft.com/office/drawing/2014/main" id="{9681CFD3-B85C-4CE5-A3A7-BFAE348DE0AE}"/>
+                <a16:creationId xmlns:a16="http://schemas.microsoft.com/office/drawing/2014/main" id="{100446DA-B976-4510-93BD-CA6544FB0F9A}"/>
               </a:ext>
             </a:extLst>
           </p:cNvPr>
@@ -5808,8 +6290,8 @@
         </p:blipFill>
         <p:spPr>
           <a:xfrm>
-            <a:off x="2838450" y="2150683"/>
-            <a:ext cx="4069557" cy="2417212"/>
+            <a:off x="2064543" y="2998227"/>
+            <a:ext cx="4456923" cy="1090524"/>
           </a:xfrm>
           <a:prstGeom prst="rect">
             <a:avLst/>
@@ -5882,7 +6364,7 @@
             </a:pPr>
             <a:r>
               <a:rPr lang="en" dirty="0"/>
-              <a:t>Motivação</a:t>
+              <a:t>Sobre o que falaremos</a:t>
             </a:r>
             <a:endParaRPr dirty="0"/>
           </a:p>
@@ -5897,7 +6379,7 @@
         <p:spPr>
           <a:xfrm>
             <a:off x="786150" y="914801"/>
-            <a:ext cx="6755878" cy="1156885"/>
+            <a:ext cx="6755878" cy="3099987"/>
           </a:xfrm>
           <a:prstGeom prst="rect">
             <a:avLst/>
@@ -5913,6 +6395,62 @@
           </a:bodyPr>
           <a:lstStyle/>
           <a:p>
+            <a:pPr marL="0" lvl="0" indent="0" algn="l" rtl="0">
+              <a:spcBef>
+                <a:spcPts val="600"/>
+              </a:spcBef>
+              <a:spcAft>
+                <a:spcPts val="0"/>
+              </a:spcAft>
+              <a:buNone/>
+            </a:pPr>
+            <a:r>
+              <a:rPr lang="pt-BR" b="1" dirty="0">
+                <a:solidFill>
+                  <a:srgbClr val="0091EA"/>
+                </a:solidFill>
+                <a:latin typeface="Source Sans Pro"/>
+                <a:ea typeface="Source Sans Pro"/>
+                <a:cs typeface="Source Sans Pro"/>
+                <a:sym typeface="Source Sans Pro"/>
+              </a:rPr>
+              <a:t>Por que usar </a:t>
+            </a:r>
+            <a:r>
+              <a:rPr lang="pt-BR" b="1" dirty="0" err="1">
+                <a:solidFill>
+                  <a:srgbClr val="0091EA"/>
+                </a:solidFill>
+                <a:latin typeface="Source Sans Pro"/>
+                <a:ea typeface="Source Sans Pro"/>
+                <a:cs typeface="Source Sans Pro"/>
+                <a:sym typeface="Source Sans Pro"/>
+              </a:rPr>
+              <a:t>Transfer</a:t>
+            </a:r>
+            <a:r>
+              <a:rPr lang="pt-BR" b="1" dirty="0">
+                <a:solidFill>
+                  <a:srgbClr val="0091EA"/>
+                </a:solidFill>
+                <a:latin typeface="Source Sans Pro"/>
+                <a:ea typeface="Source Sans Pro"/>
+                <a:cs typeface="Source Sans Pro"/>
+                <a:sym typeface="Source Sans Pro"/>
+              </a:rPr>
+              <a:t> Learning	</a:t>
+            </a:r>
+            <a:endParaRPr lang="pt-BR" dirty="0">
+              <a:solidFill>
+                <a:srgbClr val="0091EA"/>
+              </a:solidFill>
+              <a:latin typeface="Source Sans Pro"/>
+              <a:ea typeface="Source Sans Pro"/>
+              <a:cs typeface="Source Sans Pro"/>
+              <a:sym typeface="Source Sans Pro"/>
+            </a:endParaRPr>
+          </a:p>
+          <a:p>
             <a:pPr lvl="0" algn="just" rtl="0">
               <a:spcBef>
                 <a:spcPts val="600"/>
@@ -5935,8 +6473,184 @@
                 <a:cs typeface="Source Sans Pro"/>
                 <a:sym typeface="Source Sans Pro"/>
               </a:rPr>
-              <a:t>A grande maioria dos modelos que resolvem problemas complexos precisam de muitos dados e obter grandes quantidades de dados rotulados é um grande desafio.</a:t>
-            </a:r>
+              <a:t>Porque treinar um modelo requer um grande </a:t>
+            </a:r>
+            <a:r>
+              <a:rPr lang="pt-BR" dirty="0" err="1">
+                <a:solidFill>
+                  <a:srgbClr val="263238"/>
+                </a:solidFill>
+                <a:latin typeface="Source Sans Pro"/>
+                <a:ea typeface="Source Sans Pro"/>
+                <a:cs typeface="Source Sans Pro"/>
+                <a:sym typeface="Source Sans Pro"/>
+              </a:rPr>
+              <a:t>dataset</a:t>
+            </a:r>
+            <a:r>
+              <a:rPr lang="pt-BR" dirty="0">
+                <a:solidFill>
+                  <a:srgbClr val="263238"/>
+                </a:solidFill>
+                <a:latin typeface="Source Sans Pro"/>
+                <a:ea typeface="Source Sans Pro"/>
+                <a:cs typeface="Source Sans Pro"/>
+                <a:sym typeface="Source Sans Pro"/>
+              </a:rPr>
+              <a:t> e poder computacional, com </a:t>
+            </a:r>
+            <a:r>
+              <a:rPr lang="pt-BR" dirty="0" err="1">
+                <a:solidFill>
+                  <a:srgbClr val="263238"/>
+                </a:solidFill>
+                <a:latin typeface="Source Sans Pro"/>
+                <a:ea typeface="Source Sans Pro"/>
+                <a:cs typeface="Source Sans Pro"/>
+                <a:sym typeface="Source Sans Pro"/>
+              </a:rPr>
+              <a:t>Transfer</a:t>
+            </a:r>
+            <a:r>
+              <a:rPr lang="pt-BR" dirty="0">
+                <a:solidFill>
+                  <a:srgbClr val="263238"/>
+                </a:solidFill>
+                <a:latin typeface="Source Sans Pro"/>
+                <a:ea typeface="Source Sans Pro"/>
+                <a:cs typeface="Source Sans Pro"/>
+                <a:sym typeface="Source Sans Pro"/>
+              </a:rPr>
+              <a:t> Learning conseguimos treinar com pequenos dados, mais rápido e com melhores resultados.</a:t>
+            </a:r>
+          </a:p>
+          <a:p>
+            <a:pPr lvl="0" algn="just" rtl="0">
+              <a:spcBef>
+                <a:spcPts val="600"/>
+              </a:spcBef>
+              <a:spcAft>
+                <a:spcPts val="0"/>
+              </a:spcAft>
+              <a:buClr>
+                <a:schemeClr val="dk1"/>
+              </a:buClr>
+              <a:buSzPts val="1100"/>
+            </a:pPr>
+            <a:endParaRPr lang="pt-BR" dirty="0">
+              <a:solidFill>
+                <a:srgbClr val="263238"/>
+              </a:solidFill>
+              <a:latin typeface="Source Sans Pro"/>
+              <a:ea typeface="Source Sans Pro"/>
+              <a:cs typeface="Source Sans Pro"/>
+              <a:sym typeface="Source Sans Pro"/>
+            </a:endParaRPr>
+          </a:p>
+          <a:p>
+            <a:pPr marL="0" lvl="0" indent="0" algn="l" rtl="0">
+              <a:spcBef>
+                <a:spcPts val="600"/>
+              </a:spcBef>
+              <a:spcAft>
+                <a:spcPts val="0"/>
+              </a:spcAft>
+              <a:buNone/>
+            </a:pPr>
+            <a:r>
+              <a:rPr lang="pt-BR" b="1" dirty="0">
+                <a:solidFill>
+                  <a:srgbClr val="0091EA"/>
+                </a:solidFill>
+                <a:latin typeface="Source Sans Pro"/>
+                <a:ea typeface="Source Sans Pro"/>
+                <a:cs typeface="Source Sans Pro"/>
+                <a:sym typeface="Source Sans Pro"/>
+              </a:rPr>
+              <a:t>Quando usar </a:t>
+            </a:r>
+            <a:r>
+              <a:rPr lang="pt-BR" b="1" dirty="0" err="1">
+                <a:solidFill>
+                  <a:srgbClr val="0091EA"/>
+                </a:solidFill>
+                <a:latin typeface="Source Sans Pro"/>
+                <a:ea typeface="Source Sans Pro"/>
+                <a:cs typeface="Source Sans Pro"/>
+                <a:sym typeface="Source Sans Pro"/>
+              </a:rPr>
+              <a:t>Transfer</a:t>
+            </a:r>
+            <a:r>
+              <a:rPr lang="pt-BR" b="1" dirty="0">
+                <a:solidFill>
+                  <a:srgbClr val="0091EA"/>
+                </a:solidFill>
+                <a:latin typeface="Source Sans Pro"/>
+                <a:ea typeface="Source Sans Pro"/>
+                <a:cs typeface="Source Sans Pro"/>
+                <a:sym typeface="Source Sans Pro"/>
+              </a:rPr>
+              <a:t> Learning</a:t>
+            </a:r>
+            <a:endParaRPr lang="pt-BR" dirty="0">
+              <a:solidFill>
+                <a:srgbClr val="0091EA"/>
+              </a:solidFill>
+              <a:latin typeface="Source Sans Pro"/>
+              <a:ea typeface="Source Sans Pro"/>
+              <a:cs typeface="Source Sans Pro"/>
+              <a:sym typeface="Source Sans Pro"/>
+            </a:endParaRPr>
+          </a:p>
+          <a:p>
+            <a:pPr lvl="0" algn="just" rtl="0">
+              <a:spcBef>
+                <a:spcPts val="600"/>
+              </a:spcBef>
+              <a:spcAft>
+                <a:spcPts val="0"/>
+              </a:spcAft>
+              <a:buClr>
+                <a:schemeClr val="dk1"/>
+              </a:buClr>
+              <a:buSzPts val="1100"/>
+            </a:pPr>
+            <a:r>
+              <a:rPr lang="pt-BR" dirty="0">
+                <a:solidFill>
+                  <a:srgbClr val="263238"/>
+                </a:solidFill>
+                <a:latin typeface="Source Sans Pro"/>
+                <a:ea typeface="Source Sans Pro"/>
+                <a:cs typeface="Source Sans Pro"/>
+                <a:sym typeface="Source Sans Pro"/>
+              </a:rPr>
+              <a:t>Pode ser usado para imagens, textos e áudios.</a:t>
+            </a:r>
+          </a:p>
+          <a:p>
+            <a:pPr lvl="0" algn="just" rtl="0">
+              <a:spcBef>
+                <a:spcPts val="600"/>
+              </a:spcBef>
+              <a:spcAft>
+                <a:spcPts val="0"/>
+              </a:spcAft>
+              <a:buClr>
+                <a:schemeClr val="dk1"/>
+              </a:buClr>
+              <a:buSzPts val="1100"/>
+            </a:pPr>
+            <a:endParaRPr lang="pt-BR" dirty="0">
+              <a:solidFill>
+                <a:srgbClr val="263238"/>
+              </a:solidFill>
+              <a:latin typeface="Source Sans Pro"/>
+              <a:ea typeface="Source Sans Pro"/>
+              <a:cs typeface="Source Sans Pro"/>
+              <a:sym typeface="Source Sans Pro"/>
+            </a:endParaRPr>
           </a:p>
         </p:txBody>
       </p:sp>
@@ -6065,40 +6779,10 @@
           </a:p>
         </p:txBody>
       </p:sp>
-      <p:pic>
-        <p:nvPicPr>
-          <p:cNvPr id="2" name="Imagem 1">
-            <a:extLst>
-              <a:ext uri="{FF2B5EF4-FFF2-40B4-BE49-F238E27FC236}">
-                <a16:creationId xmlns:a16="http://schemas.microsoft.com/office/drawing/2014/main" id="{7B091FE3-566D-41AB-AC6E-8DA15E9AEA8A}"/>
-              </a:ext>
-            </a:extLst>
-          </p:cNvPr>
-          <p:cNvPicPr>
-            <a:picLocks noChangeAspect="1"/>
-          </p:cNvPicPr>
-          <p:nvPr/>
-        </p:nvPicPr>
-        <p:blipFill>
-          <a:blip r:embed="rId5"/>
-          <a:stretch>
-            <a:fillRect/>
-          </a:stretch>
-        </p:blipFill>
-        <p:spPr>
-          <a:xfrm>
-            <a:off x="2157412" y="2291510"/>
-            <a:ext cx="4945044" cy="2007394"/>
-          </a:xfrm>
-          <a:prstGeom prst="rect">
-            <a:avLst/>
-          </a:prstGeom>
-        </p:spPr>
-      </p:pic>
     </p:spTree>
     <p:extLst>
       <p:ext uri="{BB962C8B-B14F-4D97-AF65-F5344CB8AC3E}">
-        <p14:creationId xmlns:p14="http://schemas.microsoft.com/office/powerpoint/2010/main" val="4073329601"/>
+        <p14:creationId xmlns:p14="http://schemas.microsoft.com/office/powerpoint/2010/main" val="2906519474"/>
       </p:ext>
     </p:extLst>
   </p:cSld>
@@ -6166,7 +6850,7 @@
             </a:pPr>
             <a:r>
               <a:rPr lang="en" dirty="0"/>
-              <a:t>Como realizar o “Transfer Learning”</a:t>
+              <a:t>Sobre o que falaremos</a:t>
             </a:r>
             <a:endParaRPr dirty="0"/>
           </a:p>
@@ -6180,8 +6864,8 @@
         </p:nvSpPr>
         <p:spPr>
           <a:xfrm>
-            <a:off x="786150" y="914801"/>
-            <a:ext cx="6755878" cy="2999974"/>
+            <a:off x="786149" y="914801"/>
+            <a:ext cx="8000664" cy="3228574"/>
           </a:xfrm>
           <a:prstGeom prst="rect">
             <a:avLst/>
@@ -6207,7 +6891,7 @@
               <a:buNone/>
             </a:pPr>
             <a:r>
-              <a:rPr lang="pt-BR" b="1" dirty="0">
+              <a:rPr lang="en-US" b="1" dirty="0">
                 <a:solidFill>
                   <a:srgbClr val="0091EA"/>
                 </a:solidFill>
@@ -6216,7 +6900,31 @@
                 <a:cs typeface="Source Sans Pro"/>
                 <a:sym typeface="Source Sans Pro"/>
               </a:rPr>
-              <a:t>Transferência de aprendizado via extração de recursos</a:t>
+              <a:t>As </a:t>
+            </a:r>
+            <a:r>
+              <a:rPr lang="en-US" b="1" dirty="0" err="1">
+                <a:solidFill>
+                  <a:srgbClr val="0091EA"/>
+                </a:solidFill>
+                <a:latin typeface="Source Sans Pro"/>
+                <a:ea typeface="Source Sans Pro"/>
+                <a:cs typeface="Source Sans Pro"/>
+                <a:sym typeface="Source Sans Pro"/>
+              </a:rPr>
+              <a:t>estrategias</a:t>
+            </a:r>
+            <a:r>
+              <a:rPr lang="en-US" b="1" dirty="0">
+                <a:solidFill>
+                  <a:srgbClr val="0091EA"/>
+                </a:solidFill>
+                <a:latin typeface="Source Sans Pro"/>
+                <a:ea typeface="Source Sans Pro"/>
+                <a:cs typeface="Source Sans Pro"/>
+                <a:sym typeface="Source Sans Pro"/>
+              </a:rPr>
+              <a:t> do Transfer Learning</a:t>
             </a:r>
             <a:endParaRPr dirty="0">
               <a:solidFill>
@@ -6229,44 +6937,18 @@
             </a:endParaRPr>
           </a:p>
           <a:p>
-            <a:pPr lvl="0" algn="just" rtl="0">
+            <a:pPr algn="just">
               <a:spcBef>
                 <a:spcPts val="600"/>
               </a:spcBef>
-              <a:spcAft>
-                <a:spcPts val="0"/>
-              </a:spcAft>
               <a:buClr>
                 <a:schemeClr val="dk1"/>
               </a:buClr>
               <a:buSzPts val="1100"/>
             </a:pPr>
-            <a:r>
-              <a:rPr lang="pt-BR" dirty="0">
-                <a:solidFill>
-                  <a:srgbClr val="263238"/>
-                </a:solidFill>
-                <a:latin typeface="Source Sans Pro"/>
-                <a:ea typeface="Source Sans Pro"/>
-                <a:cs typeface="Source Sans Pro"/>
-                <a:sym typeface="Source Sans Pro"/>
-              </a:rPr>
-              <a:t>Basicamente é uma técnica que nos permite usar um modelo treinado para uma determinada tarefa como ponto de partida para um modelo de aprendizado de máquina para uma tarefa diferente, de um novo domínio.</a:t>
-            </a:r>
-          </a:p>
-          <a:p>
-            <a:pPr marL="0" lvl="0" indent="0" algn="l" rtl="0">
-              <a:spcBef>
-                <a:spcPts val="600"/>
-              </a:spcBef>
-              <a:spcAft>
-                <a:spcPts val="0"/>
-              </a:spcAft>
-              <a:buNone/>
-            </a:pPr>
-            <a:endParaRPr lang="pt-BR" b="1" dirty="0">
+            <a:endParaRPr lang="pt-BR" dirty="0">
               <a:solidFill>
-                <a:srgbClr val="0091EA"/>
+                <a:srgbClr val="263238"/>
               </a:solidFill>
               <a:latin typeface="Source Sans Pro"/>
               <a:ea typeface="Source Sans Pro"/>
@@ -6275,38 +6957,85 @@
             </a:endParaRPr>
           </a:p>
           <a:p>
-            <a:pPr marL="0" lvl="0" indent="0" algn="l" rtl="0">
+            <a:pPr algn="just">
               <a:spcBef>
                 <a:spcPts val="600"/>
               </a:spcBef>
-              <a:spcAft>
-                <a:spcPts val="0"/>
-              </a:spcAft>
-              <a:buNone/>
+              <a:buClr>
+                <a:schemeClr val="dk1"/>
+              </a:buClr>
+              <a:buSzPts val="1100"/>
             </a:pPr>
             <a:r>
-              <a:rPr lang="pt-BR" b="1" dirty="0">
-                <a:solidFill>
-                  <a:srgbClr val="0091EA"/>
-                </a:solidFill>
-                <a:latin typeface="Source Sans Pro"/>
-                <a:ea typeface="Source Sans Pro"/>
-                <a:cs typeface="Source Sans Pro"/>
-                <a:sym typeface="Source Sans Pro"/>
-              </a:rPr>
-              <a:t>Transferência de aprendizado via ajuste fino</a:t>
-            </a:r>
-          </a:p>
-          <a:p>
-            <a:pPr marL="0" lvl="0" indent="0" algn="l" rtl="0">
+              <a:rPr lang="pt-BR" dirty="0">
+                <a:solidFill>
+                  <a:srgbClr val="263238"/>
+                </a:solidFill>
+                <a:latin typeface="Source Sans Pro"/>
+                <a:ea typeface="Source Sans Pro"/>
+                <a:cs typeface="Source Sans Pro"/>
+                <a:sym typeface="Source Sans Pro"/>
+              </a:rPr>
+              <a:t>1. Primeiro precisamos escolher um modelo </a:t>
+            </a:r>
+            <a:r>
+              <a:rPr lang="pt-BR" dirty="0" err="1">
+                <a:solidFill>
+                  <a:srgbClr val="263238"/>
+                </a:solidFill>
+                <a:latin typeface="Source Sans Pro"/>
+                <a:ea typeface="Source Sans Pro"/>
+                <a:cs typeface="Source Sans Pro"/>
+                <a:sym typeface="Source Sans Pro"/>
+              </a:rPr>
+              <a:t>pré</a:t>
+            </a:r>
+            <a:r>
+              <a:rPr lang="pt-BR" dirty="0">
+                <a:solidFill>
+                  <a:srgbClr val="263238"/>
+                </a:solidFill>
+                <a:latin typeface="Source Sans Pro"/>
+                <a:ea typeface="Source Sans Pro"/>
+                <a:cs typeface="Source Sans Pro"/>
+                <a:sym typeface="Source Sans Pro"/>
+              </a:rPr>
+              <a:t>-treinado.</a:t>
+            </a:r>
+          </a:p>
+          <a:p>
+            <a:pPr algn="just">
               <a:spcBef>
                 <a:spcPts val="600"/>
               </a:spcBef>
-              <a:spcAft>
-                <a:spcPts val="0"/>
-              </a:spcAft>
-              <a:buNone/>
+              <a:buClr>
+                <a:schemeClr val="dk1"/>
+              </a:buClr>
+              <a:buSzPts val="1100"/>
             </a:pPr>
+            <a:endParaRPr lang="pt-BR" dirty="0">
+              <a:solidFill>
+                <a:srgbClr val="263238"/>
+              </a:solidFill>
+              <a:latin typeface="Source Sans Pro"/>
+              <a:ea typeface="Source Sans Pro"/>
+              <a:cs typeface="Source Sans Pro"/>
+              <a:sym typeface="Source Sans Pro"/>
+            </a:endParaRPr>
+          </a:p>
+          <a:p>
+            <a:pPr lvl="0" algn="just" rtl="0">
+              <a:spcBef>
+                <a:spcPts val="600"/>
+              </a:spcBef>
+              <a:spcAft>
+                <a:spcPts val="0"/>
+              </a:spcAft>
+              <a:buClr>
+                <a:schemeClr val="dk1"/>
+              </a:buClr>
+              <a:buSzPts val="1100"/>
+            </a:pPr>
             <a:r>
               <a:rPr lang="pt-BR" dirty="0">
                 <a:solidFill>
@@ -6317,8 +7046,104 @@
                 <a:cs typeface="Source Sans Pro"/>
                 <a:sym typeface="Source Sans Pro"/>
               </a:rPr>
-              <a:t>Basicamente é uma técnica que nos permite usar um modelo treinado para uma determinada tarefa como ponto de partida para um modelo de aprendizado de máquina para uma tarefa diferente, de um novo domínio.</a:t>
-            </a:r>
+              <a:t>2. Depois usamos este modelo como um extrator de </a:t>
+            </a:r>
+            <a:r>
+              <a:rPr lang="pt-BR" dirty="0" err="1">
+                <a:solidFill>
+                  <a:srgbClr val="263238"/>
+                </a:solidFill>
+                <a:latin typeface="Source Sans Pro"/>
+                <a:ea typeface="Source Sans Pro"/>
+                <a:cs typeface="Source Sans Pro"/>
+                <a:sym typeface="Source Sans Pro"/>
+              </a:rPr>
+              <a:t>features</a:t>
+            </a:r>
+            <a:r>
+              <a:rPr lang="pt-BR" dirty="0">
+                <a:solidFill>
+                  <a:srgbClr val="263238"/>
+                </a:solidFill>
+                <a:latin typeface="Source Sans Pro"/>
+                <a:ea typeface="Source Sans Pro"/>
+                <a:cs typeface="Source Sans Pro"/>
+                <a:sym typeface="Source Sans Pro"/>
+              </a:rPr>
+              <a:t> para treinar um classificador.</a:t>
+            </a:r>
+          </a:p>
+          <a:p>
+            <a:pPr lvl="0" algn="just" rtl="0">
+              <a:spcBef>
+                <a:spcPts val="600"/>
+              </a:spcBef>
+              <a:spcAft>
+                <a:spcPts val="0"/>
+              </a:spcAft>
+              <a:buClr>
+                <a:schemeClr val="dk1"/>
+              </a:buClr>
+              <a:buSzPts val="1100"/>
+            </a:pPr>
+            <a:endParaRPr lang="pt-BR" dirty="0">
+              <a:solidFill>
+                <a:srgbClr val="263238"/>
+              </a:solidFill>
+              <a:latin typeface="Source Sans Pro"/>
+              <a:ea typeface="Source Sans Pro"/>
+              <a:cs typeface="Source Sans Pro"/>
+              <a:sym typeface="Source Sans Pro"/>
+            </a:endParaRPr>
+          </a:p>
+          <a:p>
+            <a:pPr lvl="0" algn="just" rtl="0">
+              <a:spcBef>
+                <a:spcPts val="600"/>
+              </a:spcBef>
+              <a:spcAft>
+                <a:spcPts val="0"/>
+              </a:spcAft>
+              <a:buClr>
+                <a:schemeClr val="dk1"/>
+              </a:buClr>
+              <a:buSzPts val="1100"/>
+            </a:pPr>
+            <a:r>
+              <a:rPr lang="pt-BR" dirty="0">
+                <a:solidFill>
+                  <a:srgbClr val="263238"/>
+                </a:solidFill>
+                <a:latin typeface="Source Sans Pro"/>
+                <a:ea typeface="Source Sans Pro"/>
+                <a:cs typeface="Source Sans Pro"/>
+                <a:sym typeface="Source Sans Pro"/>
+              </a:rPr>
+              <a:t>3. Podemos também usar pesos manualmente em cima do modelo e retreinar o modelo em cima disto.</a:t>
+            </a:r>
+          </a:p>
+          <a:p>
+            <a:pPr lvl="0" algn="just" rtl="0">
+              <a:spcBef>
+                <a:spcPts val="600"/>
+              </a:spcBef>
+              <a:spcAft>
+                <a:spcPts val="0"/>
+              </a:spcAft>
+              <a:buClr>
+                <a:schemeClr val="dk1"/>
+              </a:buClr>
+              <a:buSzPts val="1100"/>
+            </a:pPr>
+            <a:endParaRPr lang="pt-BR" dirty="0">
+              <a:solidFill>
+                <a:srgbClr val="263238"/>
+              </a:solidFill>
+              <a:latin typeface="Source Sans Pro"/>
+              <a:ea typeface="Source Sans Pro"/>
+              <a:cs typeface="Source Sans Pro"/>
+              <a:sym typeface="Source Sans Pro"/>
+            </a:endParaRPr>
           </a:p>
           <a:p>
             <a:pPr lvl="0" algn="just" rtl="0">
@@ -6470,10 +7295,40 @@
           </a:p>
         </p:txBody>
       </p:sp>
+      <p:pic>
+        <p:nvPicPr>
+          <p:cNvPr id="4" name="Imagem 3">
+            <a:extLst>
+              <a:ext uri="{FF2B5EF4-FFF2-40B4-BE49-F238E27FC236}">
+                <a16:creationId xmlns:a16="http://schemas.microsoft.com/office/drawing/2014/main" id="{5118CBBD-A0F2-4C0C-BFE4-34384F0BDB8D}"/>
+              </a:ext>
+            </a:extLst>
+          </p:cNvPr>
+          <p:cNvPicPr>
+            <a:picLocks noChangeAspect="1"/>
+          </p:cNvPicPr>
+          <p:nvPr/>
+        </p:nvPicPr>
+        <p:blipFill>
+          <a:blip r:embed="rId5"/>
+          <a:stretch>
+            <a:fillRect/>
+          </a:stretch>
+        </p:blipFill>
+        <p:spPr>
+          <a:xfrm>
+            <a:off x="2948689" y="3300430"/>
+            <a:ext cx="4083844" cy="1461030"/>
+          </a:xfrm>
+          <a:prstGeom prst="rect">
+            <a:avLst/>
+          </a:prstGeom>
+        </p:spPr>
+      </p:pic>
     </p:spTree>
     <p:extLst>
       <p:ext uri="{BB962C8B-B14F-4D97-AF65-F5344CB8AC3E}">
-        <p14:creationId xmlns:p14="http://schemas.microsoft.com/office/powerpoint/2010/main" val="517462430"/>
+        <p14:creationId xmlns:p14="http://schemas.microsoft.com/office/powerpoint/2010/main" val="283072737"/>
       </p:ext>
     </p:extLst>
   </p:cSld>
@@ -6541,7 +7396,7 @@
             </a:pPr>
             <a:r>
               <a:rPr lang="en" dirty="0"/>
-              <a:t>Ajuste Fino para Detecção de Objetos</a:t>
+              <a:t>Sobre o que falaremos</a:t>
             </a:r>
             <a:endParaRPr dirty="0"/>
           </a:p>
@@ -6555,8 +7410,8 @@
         </p:nvSpPr>
         <p:spPr>
           <a:xfrm>
-            <a:off x="786150" y="914801"/>
-            <a:ext cx="6755878" cy="971149"/>
+            <a:off x="786149" y="914801"/>
+            <a:ext cx="2857164" cy="3228574"/>
           </a:xfrm>
           <a:prstGeom prst="rect">
             <a:avLst/>
@@ -6582,6 +7437,18 @@
               <a:buNone/>
             </a:pPr>
             <a:r>
+              <a:rPr lang="pt-BR" b="1" dirty="0">
+                <a:solidFill>
+                  <a:srgbClr val="0091EA"/>
+                </a:solidFill>
+                <a:latin typeface="Source Sans Pro"/>
+                <a:ea typeface="Source Sans Pro"/>
+                <a:cs typeface="Source Sans Pro"/>
+                <a:sym typeface="Source Sans Pro"/>
+              </a:rPr>
+              <a:t>Modelos </a:t>
+            </a:r>
+            <a:r>
               <a:rPr lang="pt-BR" b="1" dirty="0" err="1">
                 <a:solidFill>
                   <a:srgbClr val="0091EA"/>
@@ -6591,7 +7458,31 @@
                 <a:cs typeface="Source Sans Pro"/>
                 <a:sym typeface="Source Sans Pro"/>
               </a:rPr>
-              <a:t>TorchVision</a:t>
+              <a:t>pré</a:t>
+            </a:r>
+            <a:r>
+              <a:rPr lang="pt-BR" b="1" dirty="0">
+                <a:solidFill>
+                  <a:srgbClr val="0091EA"/>
+                </a:solidFill>
+                <a:latin typeface="Source Sans Pro"/>
+                <a:ea typeface="Source Sans Pro"/>
+                <a:cs typeface="Source Sans Pro"/>
+                <a:sym typeface="Source Sans Pro"/>
+              </a:rPr>
+              <a:t>-treinados do </a:t>
+            </a:r>
+            <a:r>
+              <a:rPr lang="pt-BR" b="1" dirty="0" err="1">
+                <a:solidFill>
+                  <a:srgbClr val="0091EA"/>
+                </a:solidFill>
+                <a:latin typeface="Source Sans Pro"/>
+                <a:ea typeface="Source Sans Pro"/>
+                <a:cs typeface="Source Sans Pro"/>
+                <a:sym typeface="Source Sans Pro"/>
+              </a:rPr>
+              <a:t>Keras</a:t>
             </a:r>
             <a:endParaRPr dirty="0">
               <a:solidFill>
@@ -6604,18 +7495,35 @@
             </a:endParaRPr>
           </a:p>
           <a:p>
-            <a:pPr lvl="0" algn="just" rtl="0">
+            <a:pPr algn="just">
               <a:spcBef>
                 <a:spcPts val="600"/>
               </a:spcBef>
-              <a:spcAft>
-                <a:spcPts val="0"/>
-              </a:spcAft>
               <a:buClr>
                 <a:schemeClr val="dk1"/>
               </a:buClr>
               <a:buSzPts val="1100"/>
             </a:pPr>
+            <a:endParaRPr lang="pt-BR" dirty="0">
+              <a:solidFill>
+                <a:srgbClr val="263238"/>
+              </a:solidFill>
+              <a:latin typeface="Source Sans Pro"/>
+              <a:ea typeface="Source Sans Pro"/>
+              <a:cs typeface="Source Sans Pro"/>
+              <a:sym typeface="Source Sans Pro"/>
+            </a:endParaRPr>
+          </a:p>
+          <a:p>
+            <a:pPr algn="just">
+              <a:spcBef>
+                <a:spcPts val="600"/>
+              </a:spcBef>
+              <a:buClr>
+                <a:schemeClr val="dk1"/>
+              </a:buClr>
+              <a:buSzPts val="1100"/>
+            </a:pPr>
             <a:r>
               <a:rPr lang="pt-BR" dirty="0">
                 <a:solidFill>
@@ -6626,7 +7534,7 @@
                 <a:cs typeface="Source Sans Pro"/>
                 <a:sym typeface="Source Sans Pro"/>
               </a:rPr>
-              <a:t>Usando o </a:t>
+              <a:t>1. </a:t>
             </a:r>
             <a:r>
               <a:rPr lang="pt-BR" dirty="0" err="1">
@@ -6638,7 +7546,7 @@
                 <a:cs typeface="Source Sans Pro"/>
                 <a:sym typeface="Source Sans Pro"/>
               </a:rPr>
-              <a:t>TorchVision</a:t>
+              <a:t>Densenet</a:t>
             </a:r>
             <a:r>
               <a:rPr lang="pt-BR" dirty="0">
@@ -6650,11 +7558,251 @@
                 <a:cs typeface="Source Sans Pro"/>
                 <a:sym typeface="Source Sans Pro"/>
               </a:rPr>
-              <a:t> podemos treinar nosso modelo de segmentação de instâncias em um conjunto de dados personalizado, que adquirimos previamente e já classificamos.</a:t>
-            </a:r>
-            <a:endParaRPr lang="pt-BR" b="1" dirty="0">
+              <a:t>.</a:t>
+            </a:r>
+          </a:p>
+          <a:p>
+            <a:pPr lvl="0" algn="just" rtl="0">
+              <a:spcBef>
+                <a:spcPts val="600"/>
+              </a:spcBef>
+              <a:spcAft>
+                <a:spcPts val="0"/>
+              </a:spcAft>
+              <a:buClr>
+                <a:schemeClr val="dk1"/>
+              </a:buClr>
+              <a:buSzPts val="1100"/>
+            </a:pPr>
+            <a:r>
+              <a:rPr lang="pt-BR" dirty="0">
+                <a:solidFill>
+                  <a:srgbClr val="263238"/>
+                </a:solidFill>
+                <a:latin typeface="Source Sans Pro"/>
+                <a:ea typeface="Source Sans Pro"/>
+                <a:cs typeface="Source Sans Pro"/>
+                <a:sym typeface="Source Sans Pro"/>
+              </a:rPr>
+              <a:t>2. </a:t>
+            </a:r>
+            <a:r>
+              <a:rPr lang="pt-BR" dirty="0" err="1">
+                <a:solidFill>
+                  <a:srgbClr val="263238"/>
+                </a:solidFill>
+                <a:latin typeface="Source Sans Pro"/>
+                <a:ea typeface="Source Sans Pro"/>
+                <a:cs typeface="Source Sans Pro"/>
+                <a:sym typeface="Source Sans Pro"/>
+              </a:rPr>
+              <a:t>Inception</a:t>
+            </a:r>
+            <a:r>
+              <a:rPr lang="pt-BR" dirty="0">
+                <a:solidFill>
+                  <a:srgbClr val="263238"/>
+                </a:solidFill>
+                <a:latin typeface="Source Sans Pro"/>
+                <a:ea typeface="Source Sans Pro"/>
+                <a:cs typeface="Source Sans Pro"/>
+                <a:sym typeface="Source Sans Pro"/>
+              </a:rPr>
+              <a:t>.</a:t>
+            </a:r>
+          </a:p>
+          <a:p>
+            <a:pPr lvl="0" algn="just" rtl="0">
+              <a:spcBef>
+                <a:spcPts val="600"/>
+              </a:spcBef>
+              <a:spcAft>
+                <a:spcPts val="0"/>
+              </a:spcAft>
+              <a:buClr>
+                <a:schemeClr val="dk1"/>
+              </a:buClr>
+              <a:buSzPts val="1100"/>
+            </a:pPr>
+            <a:r>
+              <a:rPr lang="pt-BR" dirty="0">
+                <a:solidFill>
+                  <a:srgbClr val="263238"/>
+                </a:solidFill>
+                <a:latin typeface="Source Sans Pro"/>
+                <a:ea typeface="Source Sans Pro"/>
+                <a:cs typeface="Source Sans Pro"/>
+                <a:sym typeface="Source Sans Pro"/>
+              </a:rPr>
+              <a:t>3. </a:t>
+            </a:r>
+            <a:r>
+              <a:rPr lang="pt-BR" dirty="0" err="1">
+                <a:solidFill>
+                  <a:srgbClr val="263238"/>
+                </a:solidFill>
+                <a:latin typeface="Source Sans Pro"/>
+                <a:ea typeface="Source Sans Pro"/>
+                <a:cs typeface="Source Sans Pro"/>
+                <a:sym typeface="Source Sans Pro"/>
+              </a:rPr>
+              <a:t>MobileNet</a:t>
+            </a:r>
+            <a:r>
+              <a:rPr lang="pt-BR" dirty="0">
+                <a:solidFill>
+                  <a:srgbClr val="263238"/>
+                </a:solidFill>
+                <a:latin typeface="Source Sans Pro"/>
+                <a:ea typeface="Source Sans Pro"/>
+                <a:cs typeface="Source Sans Pro"/>
+                <a:sym typeface="Source Sans Pro"/>
+              </a:rPr>
+              <a:t>.</a:t>
+            </a:r>
+          </a:p>
+          <a:p>
+            <a:pPr lvl="0" algn="just" rtl="0">
+              <a:spcBef>
+                <a:spcPts val="600"/>
+              </a:spcBef>
+              <a:spcAft>
+                <a:spcPts val="0"/>
+              </a:spcAft>
+              <a:buClr>
+                <a:schemeClr val="dk1"/>
+              </a:buClr>
+              <a:buSzPts val="1100"/>
+            </a:pPr>
+            <a:r>
+              <a:rPr lang="pt-BR" dirty="0">
+                <a:solidFill>
+                  <a:srgbClr val="263238"/>
+                </a:solidFill>
+                <a:latin typeface="Source Sans Pro"/>
+                <a:ea typeface="Source Sans Pro"/>
+                <a:cs typeface="Source Sans Pro"/>
+                <a:sym typeface="Source Sans Pro"/>
+              </a:rPr>
+              <a:t>4. </a:t>
+            </a:r>
+            <a:r>
+              <a:rPr lang="pt-BR" dirty="0" err="1">
+                <a:solidFill>
+                  <a:srgbClr val="263238"/>
+                </a:solidFill>
+                <a:latin typeface="Source Sans Pro"/>
+                <a:ea typeface="Source Sans Pro"/>
+                <a:cs typeface="Source Sans Pro"/>
+                <a:sym typeface="Source Sans Pro"/>
+              </a:rPr>
+              <a:t>NASNet</a:t>
+            </a:r>
+            <a:r>
+              <a:rPr lang="pt-BR" dirty="0">
+                <a:solidFill>
+                  <a:srgbClr val="263238"/>
+                </a:solidFill>
+                <a:latin typeface="Source Sans Pro"/>
+                <a:ea typeface="Source Sans Pro"/>
+                <a:cs typeface="Source Sans Pro"/>
+                <a:sym typeface="Source Sans Pro"/>
+              </a:rPr>
+              <a:t>.</a:t>
+            </a:r>
+          </a:p>
+          <a:p>
+            <a:pPr lvl="0" algn="just" rtl="0">
+              <a:spcBef>
+                <a:spcPts val="600"/>
+              </a:spcBef>
+              <a:spcAft>
+                <a:spcPts val="0"/>
+              </a:spcAft>
+              <a:buClr>
+                <a:schemeClr val="dk1"/>
+              </a:buClr>
+              <a:buSzPts val="1100"/>
+            </a:pPr>
+            <a:r>
+              <a:rPr lang="pt-BR" dirty="0">
+                <a:solidFill>
+                  <a:srgbClr val="263238"/>
+                </a:solidFill>
+                <a:latin typeface="Source Sans Pro"/>
+                <a:ea typeface="Source Sans Pro"/>
+                <a:cs typeface="Source Sans Pro"/>
+                <a:sym typeface="Source Sans Pro"/>
+              </a:rPr>
+              <a:t>5. </a:t>
+            </a:r>
+            <a:r>
+              <a:rPr lang="pt-BR" dirty="0" err="1">
+                <a:solidFill>
+                  <a:srgbClr val="263238"/>
+                </a:solidFill>
+                <a:latin typeface="Source Sans Pro"/>
+                <a:ea typeface="Source Sans Pro"/>
+                <a:cs typeface="Source Sans Pro"/>
+                <a:sym typeface="Source Sans Pro"/>
+              </a:rPr>
+              <a:t>ResNET</a:t>
+            </a:r>
+            <a:r>
+              <a:rPr lang="pt-BR" dirty="0">
+                <a:solidFill>
+                  <a:srgbClr val="263238"/>
+                </a:solidFill>
+                <a:latin typeface="Source Sans Pro"/>
+                <a:ea typeface="Source Sans Pro"/>
+                <a:cs typeface="Source Sans Pro"/>
+                <a:sym typeface="Source Sans Pro"/>
+              </a:rPr>
+              <a:t>.</a:t>
+            </a:r>
+          </a:p>
+          <a:p>
+            <a:pPr lvl="0" algn="just" rtl="0">
+              <a:spcBef>
+                <a:spcPts val="600"/>
+              </a:spcBef>
+              <a:spcAft>
+                <a:spcPts val="0"/>
+              </a:spcAft>
+              <a:buClr>
+                <a:schemeClr val="dk1"/>
+              </a:buClr>
+              <a:buSzPts val="1100"/>
+            </a:pPr>
+            <a:r>
+              <a:rPr lang="pt-BR" dirty="0">
+                <a:solidFill>
+                  <a:srgbClr val="263238"/>
+                </a:solidFill>
+                <a:latin typeface="Source Sans Pro"/>
+                <a:ea typeface="Source Sans Pro"/>
+                <a:cs typeface="Source Sans Pro"/>
+                <a:sym typeface="Source Sans Pro"/>
+              </a:rPr>
+              <a:t>6. VGG</a:t>
+            </a:r>
+          </a:p>
+          <a:p>
+            <a:pPr lvl="0" algn="just" rtl="0">
+              <a:spcBef>
+                <a:spcPts val="600"/>
+              </a:spcBef>
+              <a:spcAft>
+                <a:spcPts val="0"/>
+              </a:spcAft>
+              <a:buClr>
+                <a:schemeClr val="dk1"/>
+              </a:buClr>
+              <a:buSzPts val="1100"/>
+            </a:pPr>
+            <a:endParaRPr lang="pt-BR" dirty="0">
               <a:solidFill>
-                <a:srgbClr val="0091EA"/>
+                <a:srgbClr val="263238"/>
               </a:solidFill>
               <a:latin typeface="Source Sans Pro"/>
               <a:ea typeface="Source Sans Pro"/>
@@ -6812,40 +7960,291 @@
           </a:p>
         </p:txBody>
       </p:sp>
-      <p:pic>
-        <p:nvPicPr>
-          <p:cNvPr id="3" name="Imagem 2">
+      <p:sp>
+        <p:nvSpPr>
+          <p:cNvPr id="2" name="Google Shape;76;p13">
             <a:extLst>
               <a:ext uri="{FF2B5EF4-FFF2-40B4-BE49-F238E27FC236}">
-                <a16:creationId xmlns:a16="http://schemas.microsoft.com/office/drawing/2014/main" id="{5778FFE1-5587-4A1A-B614-67CF4DE52930}"/>
+                <a16:creationId xmlns:a16="http://schemas.microsoft.com/office/drawing/2014/main" id="{9BC18D26-D0B1-4A72-95FA-CCFEF6F4FD88}"/>
               </a:ext>
             </a:extLst>
           </p:cNvPr>
-          <p:cNvPicPr>
-            <a:picLocks noChangeAspect="1"/>
-          </p:cNvPicPr>
+          <p:cNvSpPr txBox="1"/>
           <p:nvPr/>
-        </p:nvPicPr>
-        <p:blipFill>
-          <a:blip r:embed="rId5"/>
-          <a:stretch>
-            <a:fillRect/>
-          </a:stretch>
-        </p:blipFill>
+        </p:nvSpPr>
         <p:spPr>
           <a:xfrm>
-            <a:off x="3168465" y="2154027"/>
-            <a:ext cx="1991247" cy="1892722"/>
+            <a:off x="4072107" y="2135980"/>
+            <a:ext cx="2857164" cy="2428387"/>
           </a:xfrm>
           <a:prstGeom prst="rect">
             <a:avLst/>
           </a:prstGeom>
+          <a:noFill/>
+          <a:ln>
+            <a:noFill/>
+          </a:ln>
         </p:spPr>
-      </p:pic>
+        <p:txBody>
+          <a:bodyPr spcFirstLastPara="1" wrap="square" lIns="91425" tIns="91425" rIns="91425" bIns="91425" anchor="t" anchorCtr="0">
+            <a:noAutofit/>
+          </a:bodyPr>
+          <a:lstStyle/>
+          <a:p>
+            <a:pPr marL="0" lvl="0" indent="0" algn="l" rtl="0">
+              <a:spcBef>
+                <a:spcPts val="600"/>
+              </a:spcBef>
+              <a:spcAft>
+                <a:spcPts val="0"/>
+              </a:spcAft>
+              <a:buNone/>
+            </a:pPr>
+            <a:r>
+              <a:rPr lang="pt-BR" b="1" dirty="0">
+                <a:solidFill>
+                  <a:srgbClr val="0091EA"/>
+                </a:solidFill>
+                <a:latin typeface="Source Sans Pro"/>
+                <a:ea typeface="Source Sans Pro"/>
+                <a:cs typeface="Source Sans Pro"/>
+                <a:sym typeface="Source Sans Pro"/>
+              </a:rPr>
+              <a:t>Aplicabilidade em Imagens</a:t>
+            </a:r>
+            <a:endParaRPr dirty="0">
+              <a:solidFill>
+                <a:srgbClr val="0091EA"/>
+              </a:solidFill>
+              <a:latin typeface="Source Sans Pro"/>
+              <a:ea typeface="Source Sans Pro"/>
+              <a:cs typeface="Source Sans Pro"/>
+              <a:sym typeface="Source Sans Pro"/>
+            </a:endParaRPr>
+          </a:p>
+          <a:p>
+            <a:pPr algn="just">
+              <a:spcBef>
+                <a:spcPts val="600"/>
+              </a:spcBef>
+              <a:buClr>
+                <a:schemeClr val="dk1"/>
+              </a:buClr>
+              <a:buSzPts val="1100"/>
+            </a:pPr>
+            <a:endParaRPr lang="pt-BR" dirty="0">
+              <a:solidFill>
+                <a:srgbClr val="263238"/>
+              </a:solidFill>
+              <a:latin typeface="Source Sans Pro"/>
+              <a:ea typeface="Source Sans Pro"/>
+              <a:cs typeface="Source Sans Pro"/>
+              <a:sym typeface="Source Sans Pro"/>
+            </a:endParaRPr>
+          </a:p>
+          <a:p>
+            <a:pPr algn="just">
+              <a:spcBef>
+                <a:spcPts val="600"/>
+              </a:spcBef>
+              <a:buClr>
+                <a:schemeClr val="dk1"/>
+              </a:buClr>
+              <a:buSzPts val="1100"/>
+            </a:pPr>
+            <a:r>
+              <a:rPr lang="pt-BR" dirty="0">
+                <a:solidFill>
+                  <a:srgbClr val="263238"/>
+                </a:solidFill>
+                <a:latin typeface="Source Sans Pro"/>
+                <a:ea typeface="Source Sans Pro"/>
+                <a:cs typeface="Source Sans Pro"/>
+                <a:sym typeface="Source Sans Pro"/>
+              </a:rPr>
+              <a:t>1. Classificação de Imagens.</a:t>
+            </a:r>
+          </a:p>
+          <a:p>
+            <a:pPr lvl="0" algn="just" rtl="0">
+              <a:spcBef>
+                <a:spcPts val="600"/>
+              </a:spcBef>
+              <a:spcAft>
+                <a:spcPts val="0"/>
+              </a:spcAft>
+              <a:buClr>
+                <a:schemeClr val="dk1"/>
+              </a:buClr>
+              <a:buSzPts val="1100"/>
+            </a:pPr>
+            <a:r>
+              <a:rPr lang="pt-BR" dirty="0">
+                <a:solidFill>
+                  <a:srgbClr val="263238"/>
+                </a:solidFill>
+                <a:latin typeface="Source Sans Pro"/>
+                <a:ea typeface="Source Sans Pro"/>
+                <a:cs typeface="Source Sans Pro"/>
+                <a:sym typeface="Source Sans Pro"/>
+              </a:rPr>
+              <a:t>2. Detecção de Objetos.</a:t>
+            </a:r>
+          </a:p>
+          <a:p>
+            <a:pPr lvl="0" algn="just" rtl="0">
+              <a:spcBef>
+                <a:spcPts val="600"/>
+              </a:spcBef>
+              <a:spcAft>
+                <a:spcPts val="0"/>
+              </a:spcAft>
+              <a:buClr>
+                <a:schemeClr val="dk1"/>
+              </a:buClr>
+              <a:buSzPts val="1100"/>
+            </a:pPr>
+            <a:r>
+              <a:rPr lang="pt-BR" dirty="0">
+                <a:solidFill>
+                  <a:srgbClr val="263238"/>
+                </a:solidFill>
+                <a:latin typeface="Source Sans Pro"/>
+                <a:ea typeface="Source Sans Pro"/>
+                <a:cs typeface="Source Sans Pro"/>
+                <a:sym typeface="Source Sans Pro"/>
+              </a:rPr>
+              <a:t>3. Segmentação de Imagens.</a:t>
+            </a:r>
+          </a:p>
+          <a:p>
+            <a:pPr lvl="0" algn="just" rtl="0">
+              <a:spcBef>
+                <a:spcPts val="600"/>
+              </a:spcBef>
+              <a:spcAft>
+                <a:spcPts val="0"/>
+              </a:spcAft>
+              <a:buClr>
+                <a:schemeClr val="dk1"/>
+              </a:buClr>
+              <a:buSzPts val="1100"/>
+            </a:pPr>
+            <a:r>
+              <a:rPr lang="pt-BR" dirty="0">
+                <a:solidFill>
+                  <a:srgbClr val="263238"/>
+                </a:solidFill>
+                <a:latin typeface="Source Sans Pro"/>
+                <a:ea typeface="Source Sans Pro"/>
+                <a:cs typeface="Source Sans Pro"/>
+                <a:sym typeface="Source Sans Pro"/>
+              </a:rPr>
+              <a:t>4. Transferência de Estilos.</a:t>
+            </a:r>
+          </a:p>
+          <a:p>
+            <a:pPr lvl="0" algn="just" rtl="0">
+              <a:spcBef>
+                <a:spcPts val="600"/>
+              </a:spcBef>
+              <a:spcAft>
+                <a:spcPts val="0"/>
+              </a:spcAft>
+              <a:buClr>
+                <a:schemeClr val="dk1"/>
+              </a:buClr>
+              <a:buSzPts val="1100"/>
+            </a:pPr>
+            <a:r>
+              <a:rPr lang="pt-BR" dirty="0">
+                <a:solidFill>
+                  <a:srgbClr val="263238"/>
+                </a:solidFill>
+                <a:latin typeface="Source Sans Pro"/>
+                <a:ea typeface="Source Sans Pro"/>
+                <a:cs typeface="Source Sans Pro"/>
+                <a:sym typeface="Source Sans Pro"/>
+              </a:rPr>
+              <a:t>5. </a:t>
+            </a:r>
+            <a:r>
+              <a:rPr lang="pt-BR" dirty="0" err="1">
+                <a:solidFill>
+                  <a:srgbClr val="263238"/>
+                </a:solidFill>
+                <a:latin typeface="Source Sans Pro"/>
+                <a:ea typeface="Source Sans Pro"/>
+                <a:cs typeface="Source Sans Pro"/>
+                <a:sym typeface="Source Sans Pro"/>
+              </a:rPr>
+              <a:t>GANs</a:t>
+            </a:r>
+            <a:r>
+              <a:rPr lang="pt-BR" dirty="0">
+                <a:solidFill>
+                  <a:srgbClr val="263238"/>
+                </a:solidFill>
+                <a:latin typeface="Source Sans Pro"/>
+                <a:ea typeface="Source Sans Pro"/>
+                <a:cs typeface="Source Sans Pro"/>
+                <a:sym typeface="Source Sans Pro"/>
+              </a:rPr>
+              <a:t> e afins.</a:t>
+            </a:r>
+          </a:p>
+          <a:p>
+            <a:pPr lvl="0" algn="just" rtl="0">
+              <a:spcBef>
+                <a:spcPts val="600"/>
+              </a:spcBef>
+              <a:spcAft>
+                <a:spcPts val="0"/>
+              </a:spcAft>
+              <a:buClr>
+                <a:schemeClr val="dk1"/>
+              </a:buClr>
+              <a:buSzPts val="1100"/>
+            </a:pPr>
+            <a:endParaRPr lang="pt-BR" dirty="0">
+              <a:solidFill>
+                <a:srgbClr val="263238"/>
+              </a:solidFill>
+              <a:latin typeface="Source Sans Pro"/>
+              <a:ea typeface="Source Sans Pro"/>
+              <a:cs typeface="Source Sans Pro"/>
+              <a:sym typeface="Source Sans Pro"/>
+            </a:endParaRPr>
+          </a:p>
+          <a:p>
+            <a:pPr lvl="0" algn="just" rtl="0">
+              <a:spcBef>
+                <a:spcPts val="600"/>
+              </a:spcBef>
+              <a:spcAft>
+                <a:spcPts val="0"/>
+              </a:spcAft>
+              <a:buClr>
+                <a:schemeClr val="dk1"/>
+              </a:buClr>
+              <a:buSzPts val="1100"/>
+            </a:pPr>
+            <a:endParaRPr lang="pt-BR" dirty="0">
+              <a:solidFill>
+                <a:srgbClr val="263238"/>
+              </a:solidFill>
+              <a:latin typeface="Source Sans Pro"/>
+              <a:ea typeface="Source Sans Pro"/>
+              <a:cs typeface="Source Sans Pro"/>
+              <a:sym typeface="Source Sans Pro"/>
+            </a:endParaRPr>
+          </a:p>
+        </p:txBody>
+      </p:sp>
     </p:spTree>
     <p:extLst>
       <p:ext uri="{BB962C8B-B14F-4D97-AF65-F5344CB8AC3E}">
-        <p14:creationId xmlns:p14="http://schemas.microsoft.com/office/powerpoint/2010/main" val="4184393404"/>
+        <p14:creationId xmlns:p14="http://schemas.microsoft.com/office/powerpoint/2010/main" val="1498679729"/>
       </p:ext>
     </p:extLst>
   </p:cSld>
@@ -6913,7 +8312,7 @@
             </a:pPr>
             <a:r>
               <a:rPr lang="en" dirty="0"/>
-              <a:t>Principais Conclusões</a:t>
+              <a:t>Exemplos práticos implantados</a:t>
             </a:r>
             <a:endParaRPr dirty="0"/>
           </a:p>
@@ -6927,8 +8326,8 @@
         </p:nvSpPr>
         <p:spPr>
           <a:xfrm>
-            <a:off x="786150" y="914801"/>
-            <a:ext cx="6755878" cy="2435618"/>
+            <a:off x="786149" y="914801"/>
+            <a:ext cx="8000664" cy="3228574"/>
           </a:xfrm>
           <a:prstGeom prst="rect">
             <a:avLst/>
@@ -6944,43 +8343,28 @@
           </a:bodyPr>
           <a:lstStyle/>
           <a:p>
-            <a:pPr lvl="0" algn="just" rtl="0">
+            <a:pPr marL="0" lvl="0" indent="0" algn="l" rtl="0">
               <a:spcBef>
                 <a:spcPts val="600"/>
               </a:spcBef>
               <a:spcAft>
                 <a:spcPts val="0"/>
               </a:spcAft>
-              <a:buClr>
-                <a:schemeClr val="dk1"/>
-              </a:buClr>
-              <a:buSzPts val="1100"/>
+              <a:buNone/>
             </a:pPr>
             <a:r>
-              <a:rPr lang="pt-BR" dirty="0">
-                <a:solidFill>
-                  <a:srgbClr val="263238"/>
-                </a:solidFill>
-                <a:latin typeface="Source Sans Pro"/>
-                <a:ea typeface="Source Sans Pro"/>
-                <a:cs typeface="Source Sans Pro"/>
-                <a:sym typeface="Source Sans Pro"/>
-              </a:rPr>
-              <a:t>Responder três questões: </a:t>
-            </a:r>
-            <a:r>
               <a:rPr lang="pt-BR" b="1" dirty="0">
                 <a:solidFill>
-                  <a:srgbClr val="263238"/>
-                </a:solidFill>
-                <a:latin typeface="Source Sans Pro"/>
-                <a:ea typeface="Source Sans Pro"/>
-                <a:cs typeface="Source Sans Pro"/>
-                <a:sym typeface="Source Sans Pro"/>
-              </a:rPr>
-              <a:t>O que transferir, quando transferir e como transferir.</a:t>
-            </a:r>
-            <a:endParaRPr lang="pt-BR" b="1" dirty="0">
+                  <a:srgbClr val="0091EA"/>
+                </a:solidFill>
+                <a:latin typeface="Source Sans Pro"/>
+                <a:ea typeface="Source Sans Pro"/>
+                <a:cs typeface="Source Sans Pro"/>
+                <a:sym typeface="Source Sans Pro"/>
+              </a:rPr>
+              <a:t>Classificação de caracteres em Japonês, Chines e Coreano</a:t>
+            </a:r>
+            <a:endParaRPr dirty="0">
               <a:solidFill>
                 <a:srgbClr val="0091EA"/>
               </a:solidFill>
@@ -6991,13 +8375,10 @@
             </a:endParaRPr>
           </a:p>
           <a:p>
-            <a:pPr lvl="0" algn="just" rtl="0">
+            <a:pPr algn="just">
               <a:spcBef>
                 <a:spcPts val="600"/>
               </a:spcBef>
-              <a:spcAft>
-                <a:spcPts val="0"/>
-              </a:spcAft>
               <a:buClr>
                 <a:schemeClr val="dk1"/>
               </a:buClr>
@@ -7024,6 +8405,18 @@
               <a:buSzPts val="1100"/>
             </a:pPr>
             <a:r>
+              <a:rPr lang="pt-BR">
+                <a:solidFill>
+                  <a:srgbClr val="263238"/>
+                </a:solidFill>
+                <a:latin typeface="Source Sans Pro"/>
+                <a:ea typeface="Source Sans Pro"/>
+                <a:cs typeface="Source Sans Pro"/>
+                <a:sym typeface="Source Sans Pro"/>
+              </a:rPr>
+              <a:t>Realizar </a:t>
+            </a:r>
+            <a:r>
               <a:rPr lang="pt-BR" dirty="0">
                 <a:solidFill>
                   <a:srgbClr val="263238"/>
@@ -7033,10 +8426,10 @@
                 <a:cs typeface="Source Sans Pro"/>
                 <a:sym typeface="Source Sans Pro"/>
               </a:rPr>
-              <a:t>Pontos de atenção: </a:t>
-            </a:r>
-            <a:r>
-              <a:rPr lang="pt-BR" b="1" dirty="0">
+              <a:t>a leitura de um </a:t>
+            </a:r>
+            <a:r>
+              <a:rPr lang="pt-BR" dirty="0" err="1">
                 <a:solidFill>
                   <a:srgbClr val="263238"/>
                 </a:solidFill>
@@ -7045,39 +8438,8 @@
                 <a:cs typeface="Source Sans Pro"/>
                 <a:sym typeface="Source Sans Pro"/>
               </a:rPr>
-              <a:t>Transferência negativa e Limites de Transferência.</a:t>
-            </a:r>
-          </a:p>
-          <a:p>
-            <a:pPr algn="just">
-              <a:spcBef>
-                <a:spcPts val="600"/>
-              </a:spcBef>
-              <a:buClr>
-                <a:schemeClr val="dk1"/>
-              </a:buClr>
-              <a:buSzPts val="1100"/>
-            </a:pPr>
-            <a:endParaRPr lang="pt-BR" b="1" dirty="0">
-              <a:solidFill>
-                <a:srgbClr val="263238"/>
-              </a:solidFill>
-              <a:latin typeface="Source Sans Pro"/>
-              <a:ea typeface="Source Sans Pro"/>
-              <a:cs typeface="Source Sans Pro"/>
-              <a:sym typeface="Source Sans Pro"/>
-            </a:endParaRPr>
-          </a:p>
-          <a:p>
-            <a:pPr algn="just">
-              <a:spcBef>
-                <a:spcPts val="600"/>
-              </a:spcBef>
-              <a:buClr>
-                <a:schemeClr val="dk1"/>
-              </a:buClr>
-              <a:buSzPts val="1100"/>
-            </a:pPr>
+              <a:t>dataset</a:t>
+            </a:r>
             <a:r>
               <a:rPr lang="pt-BR" dirty="0">
                 <a:solidFill>
@@ -7085,9 +8447,34 @@
                 </a:solidFill>
                 <a:latin typeface="Source Sans Pro"/>
                 <a:ea typeface="Source Sans Pro"/>
-                <a:sym typeface="Source Sans Pro"/>
-              </a:rPr>
-              <a:t>O aprendizado de transferência definitivamente é um dos principais impulsionadores do aprendizado de máquina e do sucesso do aprendizado profundo na adoção convencional para o projeto de estudo proposto (Queda de Idosos).</a:t>
+                <a:cs typeface="Source Sans Pro"/>
+                <a:sym typeface="Source Sans Pro"/>
+              </a:rPr>
+              <a:t> </a:t>
+            </a:r>
+            <a:r>
+              <a:rPr lang="pt-BR" dirty="0" err="1">
+                <a:solidFill>
+                  <a:srgbClr val="263238"/>
+                </a:solidFill>
+                <a:latin typeface="Source Sans Pro"/>
+                <a:ea typeface="Source Sans Pro"/>
+                <a:cs typeface="Source Sans Pro"/>
+                <a:sym typeface="Source Sans Pro"/>
+              </a:rPr>
+              <a:t>pickle</a:t>
+            </a:r>
+            <a:r>
+              <a:rPr lang="pt-BR" dirty="0">
+                <a:solidFill>
+                  <a:srgbClr val="263238"/>
+                </a:solidFill>
+                <a:latin typeface="Source Sans Pro"/>
+                <a:ea typeface="Source Sans Pro"/>
+                <a:cs typeface="Source Sans Pro"/>
+                <a:sym typeface="Source Sans Pro"/>
+              </a:rPr>
+              <a:t> com vários ideogramas em Japonês, Chinês e Coreano criando um modelo para a partir do que já fora treinado para realizar novas classificações.</a:t>
             </a:r>
           </a:p>
           <a:p>
@@ -7106,22 +8493,188 @@
               </a:solidFill>
               <a:latin typeface="Source Sans Pro"/>
               <a:ea typeface="Source Sans Pro"/>
+              <a:cs typeface="Source Sans Pro"/>
               <a:sym typeface="Source Sans Pro"/>
             </a:endParaRPr>
           </a:p>
           <a:p>
-            <a:pPr algn="just">
+            <a:pPr lvl="0" algn="just" rtl="0">
               <a:spcBef>
                 <a:spcPts val="600"/>
               </a:spcBef>
+              <a:spcAft>
+                <a:spcPts val="0"/>
+              </a:spcAft>
               <a:buClr>
                 <a:schemeClr val="dk1"/>
               </a:buClr>
               <a:buSzPts val="1100"/>
             </a:pPr>
-            <a:endParaRPr lang="pt-BR" b="1" dirty="0">
+            <a:r>
+              <a:rPr lang="pt-BR" dirty="0" err="1">
+                <a:solidFill>
+                  <a:srgbClr val="263238"/>
+                </a:solidFill>
+                <a:latin typeface="Source Sans Pro"/>
+                <a:ea typeface="Source Sans Pro"/>
+                <a:cs typeface="Source Sans Pro"/>
+                <a:sym typeface="Source Sans Pro"/>
+              </a:rPr>
+              <a:t>Github:</a:t>
+            </a:r>
+            <a:r>
+              <a:rPr lang="pt-BR" dirty="0" err="1">
+                <a:solidFill>
+                  <a:srgbClr val="263238"/>
+                </a:solidFill>
+                <a:latin typeface="Source Sans Pro"/>
+                <a:ea typeface="Source Sans Pro"/>
+                <a:cs typeface="Source Sans Pro"/>
+                <a:sym typeface="Source Sans Pro"/>
+                <a:hlinkClick r:id="rId4"/>
+              </a:rPr>
+              <a:t>https</a:t>
+            </a:r>
+            <a:r>
+              <a:rPr lang="pt-BR" dirty="0">
+                <a:solidFill>
+                  <a:srgbClr val="263238"/>
+                </a:solidFill>
+                <a:latin typeface="Source Sans Pro"/>
+                <a:ea typeface="Source Sans Pro"/>
+                <a:cs typeface="Source Sans Pro"/>
+                <a:sym typeface="Source Sans Pro"/>
+                <a:hlinkClick r:id="rId4"/>
+              </a:rPr>
+              <a:t>://github.com/</a:t>
+            </a:r>
+            <a:r>
+              <a:rPr lang="pt-BR" dirty="0" err="1">
+                <a:solidFill>
+                  <a:srgbClr val="263238"/>
+                </a:solidFill>
+                <a:latin typeface="Source Sans Pro"/>
+                <a:ea typeface="Source Sans Pro"/>
+                <a:cs typeface="Source Sans Pro"/>
+                <a:sym typeface="Source Sans Pro"/>
+                <a:hlinkClick r:id="rId4"/>
+              </a:rPr>
+              <a:t>danielmoraesdelima</a:t>
+            </a:r>
+            <a:r>
+              <a:rPr lang="pt-BR" dirty="0">
+                <a:solidFill>
+                  <a:srgbClr val="263238"/>
+                </a:solidFill>
+                <a:latin typeface="Source Sans Pro"/>
+                <a:ea typeface="Source Sans Pro"/>
+                <a:cs typeface="Source Sans Pro"/>
+                <a:sym typeface="Source Sans Pro"/>
+                <a:hlinkClick r:id="rId4"/>
+              </a:rPr>
+              <a:t>/Processamento-e-Analise-de-Imagens-Digitais/</a:t>
+            </a:r>
+            <a:r>
+              <a:rPr lang="pt-BR" dirty="0" err="1">
+                <a:solidFill>
+                  <a:srgbClr val="263238"/>
+                </a:solidFill>
+                <a:latin typeface="Source Sans Pro"/>
+                <a:ea typeface="Source Sans Pro"/>
+                <a:cs typeface="Source Sans Pro"/>
+                <a:sym typeface="Source Sans Pro"/>
+                <a:hlinkClick r:id="rId4"/>
+              </a:rPr>
+              <a:t>blob</a:t>
+            </a:r>
+            <a:r>
+              <a:rPr lang="pt-BR" dirty="0">
+                <a:solidFill>
+                  <a:srgbClr val="263238"/>
+                </a:solidFill>
+                <a:latin typeface="Source Sans Pro"/>
+                <a:ea typeface="Source Sans Pro"/>
+                <a:cs typeface="Source Sans Pro"/>
+                <a:sym typeface="Source Sans Pro"/>
+                <a:hlinkClick r:id="rId4"/>
+              </a:rPr>
+              <a:t>/</a:t>
+            </a:r>
+            <a:r>
+              <a:rPr lang="pt-BR" dirty="0" err="1">
+                <a:solidFill>
+                  <a:srgbClr val="263238"/>
+                </a:solidFill>
+                <a:latin typeface="Source Sans Pro"/>
+                <a:ea typeface="Source Sans Pro"/>
+                <a:cs typeface="Source Sans Pro"/>
+                <a:sym typeface="Source Sans Pro"/>
+                <a:hlinkClick r:id="rId4"/>
+              </a:rPr>
+              <a:t>main</a:t>
+            </a:r>
+            <a:r>
+              <a:rPr lang="pt-BR" dirty="0">
+                <a:solidFill>
+                  <a:srgbClr val="263238"/>
+                </a:solidFill>
+                <a:latin typeface="Source Sans Pro"/>
+                <a:ea typeface="Source Sans Pro"/>
+                <a:cs typeface="Source Sans Pro"/>
+                <a:sym typeface="Source Sans Pro"/>
+                <a:hlinkClick r:id="rId4"/>
+              </a:rPr>
+              <a:t>/Process.-Analise-Img-Digitais-Trabalho09.ipynb</a:t>
+            </a:r>
+            <a:endParaRPr lang="pt-BR" dirty="0">
               <a:solidFill>
-                <a:srgbClr val="0091EA"/>
+                <a:srgbClr val="263238"/>
+              </a:solidFill>
+              <a:latin typeface="Source Sans Pro"/>
+              <a:ea typeface="Source Sans Pro"/>
+              <a:cs typeface="Source Sans Pro"/>
+              <a:sym typeface="Source Sans Pro"/>
+            </a:endParaRPr>
+          </a:p>
+          <a:p>
+            <a:pPr lvl="0" algn="just" rtl="0">
+              <a:spcBef>
+                <a:spcPts val="600"/>
+              </a:spcBef>
+              <a:spcAft>
+                <a:spcPts val="0"/>
+              </a:spcAft>
+              <a:buClr>
+                <a:schemeClr val="dk1"/>
+              </a:buClr>
+              <a:buSzPts val="1100"/>
+            </a:pPr>
+            <a:endParaRPr lang="pt-BR" dirty="0">
+              <a:solidFill>
+                <a:srgbClr val="263238"/>
+              </a:solidFill>
+              <a:latin typeface="Source Sans Pro"/>
+              <a:ea typeface="Source Sans Pro"/>
+              <a:cs typeface="Source Sans Pro"/>
+              <a:sym typeface="Source Sans Pro"/>
+            </a:endParaRPr>
+          </a:p>
+          <a:p>
+            <a:pPr lvl="0" algn="just" rtl="0">
+              <a:spcBef>
+                <a:spcPts val="600"/>
+              </a:spcBef>
+              <a:spcAft>
+                <a:spcPts val="0"/>
+              </a:spcAft>
+              <a:buClr>
+                <a:schemeClr val="dk1"/>
+              </a:buClr>
+              <a:buSzPts val="1100"/>
+            </a:pPr>
+            <a:endParaRPr lang="pt-BR" dirty="0">
+              <a:solidFill>
+                <a:srgbClr val="263238"/>
               </a:solidFill>
               <a:latin typeface="Source Sans Pro"/>
               <a:ea typeface="Source Sans Pro"/>
@@ -7211,7 +8764,7 @@
           <p:nvPr/>
         </p:nvPicPr>
         <p:blipFill>
-          <a:blip r:embed="rId4"/>
+          <a:blip r:embed="rId5"/>
           <a:stretch>
             <a:fillRect/>
           </a:stretch>
@@ -7279,10 +8832,40 @@
           </a:p>
         </p:txBody>
       </p:sp>
+      <p:pic>
+        <p:nvPicPr>
+          <p:cNvPr id="10" name="Imagem 9">
+            <a:extLst>
+              <a:ext uri="{FF2B5EF4-FFF2-40B4-BE49-F238E27FC236}">
+                <a16:creationId xmlns:a16="http://schemas.microsoft.com/office/drawing/2014/main" id="{E571F547-0077-4461-BC21-215481326F96}"/>
+              </a:ext>
+            </a:extLst>
+          </p:cNvPr>
+          <p:cNvPicPr>
+            <a:picLocks noChangeAspect="1"/>
+          </p:cNvPicPr>
+          <p:nvPr/>
+        </p:nvPicPr>
+        <p:blipFill>
+          <a:blip r:embed="rId6"/>
+          <a:stretch>
+            <a:fillRect/>
+          </a:stretch>
+        </p:blipFill>
+        <p:spPr>
+          <a:xfrm>
+            <a:off x="4774878" y="3014661"/>
+            <a:ext cx="2426704" cy="2028825"/>
+          </a:xfrm>
+          <a:prstGeom prst="rect">
+            <a:avLst/>
+          </a:prstGeom>
+        </p:spPr>
+      </p:pic>
     </p:spTree>
     <p:extLst>
       <p:ext uri="{BB962C8B-B14F-4D97-AF65-F5344CB8AC3E}">
-        <p14:creationId xmlns:p14="http://schemas.microsoft.com/office/powerpoint/2010/main" val="4232924371"/>
+        <p14:creationId xmlns:p14="http://schemas.microsoft.com/office/powerpoint/2010/main" val="3388787160"/>
       </p:ext>
     </p:extLst>
   </p:cSld>
@@ -7298,6 +8881,817 @@
 </file>
 
 <file path=ppt/slides/slide7.xml><?xml version="1.0" encoding="utf-8"?>
+<p:sld xmlns:a="http://schemas.openxmlformats.org/drawingml/2006/main" xmlns:r="http://schemas.openxmlformats.org/officeDocument/2006/relationships" xmlns:p="http://schemas.openxmlformats.org/presentationml/2006/main">
+  <p:cSld>
+    <p:spTree>
+      <p:nvGrpSpPr>
+        <p:cNvPr id="1" name="Shape 74"/>
+        <p:cNvGrpSpPr/>
+        <p:nvPr/>
+      </p:nvGrpSpPr>
+      <p:grpSpPr>
+        <a:xfrm>
+          <a:off x="0" y="0"/>
+          <a:ext cx="0" cy="0"/>
+          <a:chOff x="0" y="0"/>
+          <a:chExt cx="0" cy="0"/>
+        </a:xfrm>
+      </p:grpSpPr>
+      <p:sp>
+        <p:nvSpPr>
+          <p:cNvPr id="75" name="Google Shape;75;p13"/>
+          <p:cNvSpPr txBox="1">
+            <a:spLocks noGrp="1"/>
+          </p:cNvSpPr>
+          <p:nvPr>
+            <p:ph type="title"/>
+          </p:nvPr>
+        </p:nvSpPr>
+        <p:spPr>
+          <a:xfrm>
+            <a:off x="1196283" y="42204"/>
+            <a:ext cx="5032637" cy="718779"/>
+          </a:xfrm>
+          <a:prstGeom prst="rect">
+            <a:avLst/>
+          </a:prstGeom>
+        </p:spPr>
+        <p:txBody>
+          <a:bodyPr spcFirstLastPara="1" wrap="square" lIns="91425" tIns="91425" rIns="91425" bIns="91425" anchor="b" anchorCtr="0">
+            <a:noAutofit/>
+          </a:bodyPr>
+          <a:lstStyle/>
+          <a:p>
+            <a:pPr marL="0" lvl="0" indent="0" algn="l" rtl="0">
+              <a:spcBef>
+                <a:spcPts val="0"/>
+              </a:spcBef>
+              <a:spcAft>
+                <a:spcPts val="0"/>
+              </a:spcAft>
+              <a:buNone/>
+            </a:pPr>
+            <a:r>
+              <a:rPr lang="en" dirty="0"/>
+              <a:t>Exemplos práticos implantados</a:t>
+            </a:r>
+            <a:endParaRPr dirty="0"/>
+          </a:p>
+        </p:txBody>
+      </p:sp>
+      <p:sp>
+        <p:nvSpPr>
+          <p:cNvPr id="76" name="Google Shape;76;p13"/>
+          <p:cNvSpPr txBox="1"/>
+          <p:nvPr/>
+        </p:nvSpPr>
+        <p:spPr>
+          <a:xfrm>
+            <a:off x="786149" y="914801"/>
+            <a:ext cx="8000664" cy="4121304"/>
+          </a:xfrm>
+          <a:prstGeom prst="rect">
+            <a:avLst/>
+          </a:prstGeom>
+          <a:noFill/>
+          <a:ln>
+            <a:noFill/>
+          </a:ln>
+        </p:spPr>
+        <p:txBody>
+          <a:bodyPr spcFirstLastPara="1" wrap="square" lIns="91425" tIns="91425" rIns="91425" bIns="91425" anchor="t" anchorCtr="0">
+            <a:noAutofit/>
+          </a:bodyPr>
+          <a:lstStyle/>
+          <a:p>
+            <a:pPr marL="0" lvl="0" indent="0" algn="l" rtl="0">
+              <a:spcBef>
+                <a:spcPts val="600"/>
+              </a:spcBef>
+              <a:spcAft>
+                <a:spcPts val="0"/>
+              </a:spcAft>
+              <a:buNone/>
+            </a:pPr>
+            <a:r>
+              <a:rPr lang="pt-BR" b="1" dirty="0" err="1">
+                <a:solidFill>
+                  <a:srgbClr val="0091EA"/>
+                </a:solidFill>
+                <a:latin typeface="Source Sans Pro"/>
+                <a:ea typeface="Source Sans Pro"/>
+                <a:cs typeface="Source Sans Pro"/>
+                <a:sym typeface="Source Sans Pro"/>
+              </a:rPr>
+              <a:t>Transfer</a:t>
+            </a:r>
+            <a:r>
+              <a:rPr lang="pt-BR" b="1" dirty="0">
+                <a:solidFill>
+                  <a:srgbClr val="0091EA"/>
+                </a:solidFill>
+                <a:latin typeface="Source Sans Pro"/>
+                <a:ea typeface="Source Sans Pro"/>
+                <a:cs typeface="Source Sans Pro"/>
+                <a:sym typeface="Source Sans Pro"/>
+              </a:rPr>
+              <a:t> Learning com </a:t>
+            </a:r>
+            <a:r>
+              <a:rPr lang="pt-BR" b="1" dirty="0" err="1">
+                <a:solidFill>
+                  <a:srgbClr val="0091EA"/>
+                </a:solidFill>
+                <a:latin typeface="Source Sans Pro"/>
+                <a:ea typeface="Source Sans Pro"/>
+                <a:cs typeface="Source Sans Pro"/>
+                <a:sym typeface="Source Sans Pro"/>
+              </a:rPr>
+              <a:t>Tensorflow</a:t>
+            </a:r>
+            <a:r>
+              <a:rPr lang="pt-BR" b="1" dirty="0">
+                <a:solidFill>
+                  <a:srgbClr val="0091EA"/>
+                </a:solidFill>
+                <a:latin typeface="Source Sans Pro"/>
+                <a:ea typeface="Source Sans Pro"/>
+                <a:cs typeface="Source Sans Pro"/>
+                <a:sym typeface="Source Sans Pro"/>
+              </a:rPr>
+              <a:t> Hub criado para esta apresentação.</a:t>
+            </a:r>
+            <a:endParaRPr dirty="0">
+              <a:solidFill>
+                <a:srgbClr val="0091EA"/>
+              </a:solidFill>
+              <a:latin typeface="Source Sans Pro"/>
+              <a:ea typeface="Source Sans Pro"/>
+              <a:cs typeface="Source Sans Pro"/>
+              <a:sym typeface="Source Sans Pro"/>
+            </a:endParaRPr>
+          </a:p>
+          <a:p>
+            <a:pPr algn="just">
+              <a:spcBef>
+                <a:spcPts val="600"/>
+              </a:spcBef>
+              <a:buClr>
+                <a:schemeClr val="dk1"/>
+              </a:buClr>
+              <a:buSzPts val="1100"/>
+            </a:pPr>
+            <a:endParaRPr lang="pt-BR" dirty="0">
+              <a:solidFill>
+                <a:srgbClr val="263238"/>
+              </a:solidFill>
+              <a:latin typeface="Source Sans Pro"/>
+              <a:ea typeface="Source Sans Pro"/>
+              <a:cs typeface="Source Sans Pro"/>
+              <a:sym typeface="Source Sans Pro"/>
+            </a:endParaRPr>
+          </a:p>
+          <a:p>
+            <a:pPr algn="just">
+              <a:spcBef>
+                <a:spcPts val="600"/>
+              </a:spcBef>
+              <a:buClr>
+                <a:schemeClr val="dk1"/>
+              </a:buClr>
+              <a:buSzPts val="1100"/>
+            </a:pPr>
+            <a:r>
+              <a:rPr lang="pt-BR" dirty="0">
+                <a:solidFill>
+                  <a:srgbClr val="263238"/>
+                </a:solidFill>
+                <a:latin typeface="Source Sans Pro"/>
+                <a:ea typeface="Source Sans Pro"/>
+                <a:cs typeface="Source Sans Pro"/>
+                <a:sym typeface="Source Sans Pro"/>
+              </a:rPr>
+              <a:t>o </a:t>
+            </a:r>
+            <a:r>
+              <a:rPr lang="pt-BR" dirty="0" err="1">
+                <a:solidFill>
+                  <a:srgbClr val="263238"/>
+                </a:solidFill>
+                <a:latin typeface="Source Sans Pro"/>
+                <a:ea typeface="Source Sans Pro"/>
+                <a:cs typeface="Source Sans Pro"/>
+                <a:sym typeface="Source Sans Pro"/>
+              </a:rPr>
+              <a:t>TensorflowHUB</a:t>
+            </a:r>
+            <a:r>
+              <a:rPr lang="pt-BR" dirty="0">
+                <a:solidFill>
+                  <a:srgbClr val="263238"/>
+                </a:solidFill>
+                <a:latin typeface="Source Sans Pro"/>
+                <a:ea typeface="Source Sans Pro"/>
+                <a:cs typeface="Source Sans Pro"/>
+                <a:sym typeface="Source Sans Pro"/>
+              </a:rPr>
+              <a:t> que é um repositório de modelos treinados de </a:t>
+            </a:r>
+            <a:r>
+              <a:rPr lang="pt-BR" dirty="0" err="1">
+                <a:solidFill>
+                  <a:srgbClr val="263238"/>
+                </a:solidFill>
+                <a:latin typeface="Source Sans Pro"/>
+                <a:ea typeface="Source Sans Pro"/>
+                <a:cs typeface="Source Sans Pro"/>
+                <a:sym typeface="Source Sans Pro"/>
+              </a:rPr>
+              <a:t>machine</a:t>
+            </a:r>
+            <a:r>
+              <a:rPr lang="pt-BR" dirty="0">
+                <a:solidFill>
+                  <a:srgbClr val="263238"/>
+                </a:solidFill>
+                <a:latin typeface="Source Sans Pro"/>
+                <a:ea typeface="Source Sans Pro"/>
+                <a:cs typeface="Source Sans Pro"/>
+                <a:sym typeface="Source Sans Pro"/>
+              </a:rPr>
+              <a:t> </a:t>
+            </a:r>
+            <a:r>
+              <a:rPr lang="pt-BR" dirty="0" err="1">
+                <a:solidFill>
+                  <a:srgbClr val="263238"/>
+                </a:solidFill>
+                <a:latin typeface="Source Sans Pro"/>
+                <a:ea typeface="Source Sans Pro"/>
+                <a:cs typeface="Source Sans Pro"/>
+                <a:sym typeface="Source Sans Pro"/>
+              </a:rPr>
+              <a:t>learning</a:t>
+            </a:r>
+            <a:r>
+              <a:rPr lang="pt-BR" dirty="0">
+                <a:solidFill>
+                  <a:srgbClr val="263238"/>
+                </a:solidFill>
+                <a:latin typeface="Source Sans Pro"/>
+                <a:ea typeface="Source Sans Pro"/>
+                <a:cs typeface="Source Sans Pro"/>
+                <a:sym typeface="Source Sans Pro"/>
+              </a:rPr>
+              <a:t>, utilizei um </a:t>
+            </a:r>
+            <a:r>
+              <a:rPr lang="pt-BR" dirty="0" err="1">
+                <a:solidFill>
+                  <a:srgbClr val="263238"/>
+                </a:solidFill>
+                <a:latin typeface="Source Sans Pro"/>
+                <a:ea typeface="Source Sans Pro"/>
+                <a:cs typeface="Source Sans Pro"/>
+                <a:sym typeface="Source Sans Pro"/>
+              </a:rPr>
+              <a:t>dataset</a:t>
+            </a:r>
+            <a:r>
+              <a:rPr lang="pt-BR" dirty="0">
+                <a:solidFill>
+                  <a:srgbClr val="263238"/>
+                </a:solidFill>
+                <a:latin typeface="Source Sans Pro"/>
+                <a:ea typeface="Source Sans Pro"/>
+                <a:cs typeface="Source Sans Pro"/>
+                <a:sym typeface="Source Sans Pro"/>
+              </a:rPr>
+              <a:t> de flores de Oxford e usei o HUB para extrair </a:t>
+            </a:r>
+            <a:r>
+              <a:rPr lang="pt-BR" dirty="0" err="1">
+                <a:solidFill>
+                  <a:srgbClr val="263238"/>
+                </a:solidFill>
+                <a:latin typeface="Source Sans Pro"/>
+                <a:ea typeface="Source Sans Pro"/>
+                <a:cs typeface="Source Sans Pro"/>
+                <a:sym typeface="Source Sans Pro"/>
+              </a:rPr>
+              <a:t>features</a:t>
+            </a:r>
+            <a:r>
+              <a:rPr lang="pt-BR" dirty="0">
+                <a:solidFill>
+                  <a:srgbClr val="263238"/>
+                </a:solidFill>
+                <a:latin typeface="Source Sans Pro"/>
+                <a:ea typeface="Source Sans Pro"/>
+                <a:cs typeface="Source Sans Pro"/>
+                <a:sym typeface="Source Sans Pro"/>
+              </a:rPr>
+              <a:t> do modelo treinado e usar para criar um novo modelo, treiná-lo e realizar a classificação das imagens.</a:t>
+            </a:r>
+          </a:p>
+          <a:p>
+            <a:pPr lvl="0" algn="just" rtl="0">
+              <a:spcBef>
+                <a:spcPts val="600"/>
+              </a:spcBef>
+              <a:spcAft>
+                <a:spcPts val="0"/>
+              </a:spcAft>
+              <a:buClr>
+                <a:schemeClr val="dk1"/>
+              </a:buClr>
+              <a:buSzPts val="1100"/>
+            </a:pPr>
+            <a:r>
+              <a:rPr lang="pt-BR" dirty="0" err="1">
+                <a:solidFill>
+                  <a:srgbClr val="263238"/>
+                </a:solidFill>
+                <a:latin typeface="Source Sans Pro"/>
+                <a:ea typeface="Source Sans Pro"/>
+                <a:cs typeface="Source Sans Pro"/>
+                <a:sym typeface="Source Sans Pro"/>
+              </a:rPr>
+              <a:t>Github:</a:t>
+            </a:r>
+            <a:r>
+              <a:rPr lang="pt-BR" dirty="0" err="1">
+                <a:solidFill>
+                  <a:srgbClr val="263238"/>
+                </a:solidFill>
+                <a:latin typeface="Source Sans Pro"/>
+                <a:ea typeface="Source Sans Pro"/>
+                <a:cs typeface="Source Sans Pro"/>
+                <a:sym typeface="Source Sans Pro"/>
+                <a:hlinkClick r:id="rId4"/>
+              </a:rPr>
+              <a:t>https</a:t>
+            </a:r>
+            <a:r>
+              <a:rPr lang="pt-BR" dirty="0">
+                <a:solidFill>
+                  <a:srgbClr val="263238"/>
+                </a:solidFill>
+                <a:latin typeface="Source Sans Pro"/>
+                <a:ea typeface="Source Sans Pro"/>
+                <a:cs typeface="Source Sans Pro"/>
+                <a:sym typeface="Source Sans Pro"/>
+                <a:hlinkClick r:id="rId4"/>
+              </a:rPr>
+              <a:t>://github.com/</a:t>
+            </a:r>
+            <a:r>
+              <a:rPr lang="pt-BR" dirty="0" err="1">
+                <a:solidFill>
+                  <a:srgbClr val="263238"/>
+                </a:solidFill>
+                <a:latin typeface="Source Sans Pro"/>
+                <a:ea typeface="Source Sans Pro"/>
+                <a:cs typeface="Source Sans Pro"/>
+                <a:sym typeface="Source Sans Pro"/>
+                <a:hlinkClick r:id="rId4"/>
+              </a:rPr>
+              <a:t>danielmoraesdelima</a:t>
+            </a:r>
+            <a:r>
+              <a:rPr lang="pt-BR" dirty="0">
+                <a:solidFill>
+                  <a:srgbClr val="263238"/>
+                </a:solidFill>
+                <a:latin typeface="Source Sans Pro"/>
+                <a:ea typeface="Source Sans Pro"/>
+                <a:cs typeface="Source Sans Pro"/>
+                <a:sym typeface="Source Sans Pro"/>
+                <a:hlinkClick r:id="rId4"/>
+              </a:rPr>
+              <a:t>/</a:t>
+            </a:r>
+            <a:r>
+              <a:rPr lang="pt-BR" dirty="0" err="1">
+                <a:solidFill>
+                  <a:srgbClr val="263238"/>
+                </a:solidFill>
+                <a:latin typeface="Source Sans Pro"/>
+                <a:ea typeface="Source Sans Pro"/>
+                <a:cs typeface="Source Sans Pro"/>
+                <a:sym typeface="Source Sans Pro"/>
+                <a:hlinkClick r:id="rId4"/>
+              </a:rPr>
+              <a:t>dissertacaounifor</a:t>
+            </a:r>
+            <a:r>
+              <a:rPr lang="pt-BR" dirty="0">
+                <a:solidFill>
+                  <a:srgbClr val="263238"/>
+                </a:solidFill>
+                <a:latin typeface="Source Sans Pro"/>
+                <a:ea typeface="Source Sans Pro"/>
+                <a:cs typeface="Source Sans Pro"/>
+                <a:sym typeface="Source Sans Pro"/>
+                <a:hlinkClick r:id="rId4"/>
+              </a:rPr>
+              <a:t>/</a:t>
+            </a:r>
+            <a:r>
+              <a:rPr lang="pt-BR" dirty="0" err="1">
+                <a:solidFill>
+                  <a:srgbClr val="263238"/>
+                </a:solidFill>
+                <a:latin typeface="Source Sans Pro"/>
+                <a:ea typeface="Source Sans Pro"/>
+                <a:cs typeface="Source Sans Pro"/>
+                <a:sym typeface="Source Sans Pro"/>
+                <a:hlinkClick r:id="rId4"/>
+              </a:rPr>
+              <a:t>blob</a:t>
+            </a:r>
+            <a:r>
+              <a:rPr lang="pt-BR" dirty="0">
+                <a:solidFill>
+                  <a:srgbClr val="263238"/>
+                </a:solidFill>
+                <a:latin typeface="Source Sans Pro"/>
+                <a:ea typeface="Source Sans Pro"/>
+                <a:cs typeface="Source Sans Pro"/>
+                <a:sym typeface="Source Sans Pro"/>
+                <a:hlinkClick r:id="rId4"/>
+              </a:rPr>
+              <a:t>/</a:t>
+            </a:r>
+            <a:r>
+              <a:rPr lang="pt-BR" dirty="0" err="1">
+                <a:solidFill>
+                  <a:srgbClr val="263238"/>
+                </a:solidFill>
+                <a:latin typeface="Source Sans Pro"/>
+                <a:ea typeface="Source Sans Pro"/>
+                <a:cs typeface="Source Sans Pro"/>
+                <a:sym typeface="Source Sans Pro"/>
+                <a:hlinkClick r:id="rId4"/>
+              </a:rPr>
+              <a:t>main</a:t>
+            </a:r>
+            <a:r>
+              <a:rPr lang="pt-BR" dirty="0">
+                <a:solidFill>
+                  <a:srgbClr val="263238"/>
+                </a:solidFill>
+                <a:latin typeface="Source Sans Pro"/>
+                <a:ea typeface="Source Sans Pro"/>
+                <a:cs typeface="Source Sans Pro"/>
+                <a:sym typeface="Source Sans Pro"/>
+                <a:hlinkClick r:id="rId4"/>
+              </a:rPr>
+              <a:t>/</a:t>
+            </a:r>
+            <a:r>
+              <a:rPr lang="pt-BR" dirty="0" err="1">
+                <a:solidFill>
+                  <a:srgbClr val="263238"/>
+                </a:solidFill>
+                <a:latin typeface="Source Sans Pro"/>
+                <a:ea typeface="Source Sans Pro"/>
+                <a:cs typeface="Source Sans Pro"/>
+                <a:sym typeface="Source Sans Pro"/>
+                <a:hlinkClick r:id="rId4"/>
+              </a:rPr>
+              <a:t>Dissertacao_LearningTransfer.ipynb</a:t>
+            </a:r>
+            <a:endParaRPr lang="pt-BR" dirty="0">
+              <a:solidFill>
+                <a:srgbClr val="263238"/>
+              </a:solidFill>
+              <a:latin typeface="Source Sans Pro"/>
+              <a:ea typeface="Source Sans Pro"/>
+              <a:cs typeface="Source Sans Pro"/>
+              <a:sym typeface="Source Sans Pro"/>
+            </a:endParaRPr>
+          </a:p>
+          <a:p>
+            <a:pPr lvl="0" algn="just" rtl="0">
+              <a:spcBef>
+                <a:spcPts val="600"/>
+              </a:spcBef>
+              <a:spcAft>
+                <a:spcPts val="0"/>
+              </a:spcAft>
+              <a:buClr>
+                <a:schemeClr val="dk1"/>
+              </a:buClr>
+              <a:buSzPts val="1100"/>
+            </a:pPr>
+            <a:endParaRPr lang="pt-BR" dirty="0">
+              <a:solidFill>
+                <a:srgbClr val="263238"/>
+              </a:solidFill>
+              <a:latin typeface="Source Sans Pro"/>
+              <a:ea typeface="Source Sans Pro"/>
+              <a:cs typeface="Source Sans Pro"/>
+              <a:sym typeface="Source Sans Pro"/>
+            </a:endParaRPr>
+          </a:p>
+          <a:p>
+            <a:pPr lvl="0" algn="just" rtl="0">
+              <a:spcBef>
+                <a:spcPts val="600"/>
+              </a:spcBef>
+              <a:spcAft>
+                <a:spcPts val="0"/>
+              </a:spcAft>
+              <a:buClr>
+                <a:schemeClr val="dk1"/>
+              </a:buClr>
+              <a:buSzPts val="1100"/>
+            </a:pPr>
+            <a:r>
+              <a:rPr lang="pt-BR" dirty="0">
+                <a:solidFill>
+                  <a:srgbClr val="263238"/>
+                </a:solidFill>
+                <a:latin typeface="Source Sans Pro"/>
+                <a:ea typeface="Source Sans Pro"/>
+                <a:cs typeface="Source Sans Pro"/>
+                <a:sym typeface="Source Sans Pro"/>
+              </a:rPr>
+              <a:t>As flores com título verde foram corretamente</a:t>
+            </a:r>
+          </a:p>
+          <a:p>
+            <a:pPr lvl="0" algn="just" rtl="0">
+              <a:spcBef>
+                <a:spcPts val="600"/>
+              </a:spcBef>
+              <a:spcAft>
+                <a:spcPts val="0"/>
+              </a:spcAft>
+              <a:buClr>
+                <a:schemeClr val="dk1"/>
+              </a:buClr>
+              <a:buSzPts val="1100"/>
+            </a:pPr>
+            <a:r>
+              <a:rPr lang="pt-BR" dirty="0">
+                <a:solidFill>
+                  <a:srgbClr val="263238"/>
+                </a:solidFill>
+                <a:latin typeface="Source Sans Pro"/>
+                <a:ea typeface="Source Sans Pro"/>
+                <a:cs typeface="Source Sans Pro"/>
+                <a:sym typeface="Source Sans Pro"/>
+              </a:rPr>
+              <a:t>preditas e as vermelhas um erro do modelo.</a:t>
+            </a:r>
+          </a:p>
+          <a:p>
+            <a:pPr lvl="0" algn="just" rtl="0">
+              <a:spcBef>
+                <a:spcPts val="600"/>
+              </a:spcBef>
+              <a:spcAft>
+                <a:spcPts val="0"/>
+              </a:spcAft>
+              <a:buClr>
+                <a:schemeClr val="dk1"/>
+              </a:buClr>
+              <a:buSzPts val="1100"/>
+            </a:pPr>
+            <a:endParaRPr lang="pt-BR" dirty="0">
+              <a:solidFill>
+                <a:srgbClr val="263238"/>
+              </a:solidFill>
+              <a:latin typeface="Source Sans Pro"/>
+              <a:ea typeface="Source Sans Pro"/>
+              <a:cs typeface="Source Sans Pro"/>
+              <a:sym typeface="Source Sans Pro"/>
+            </a:endParaRPr>
+          </a:p>
+          <a:p>
+            <a:pPr lvl="0" algn="just" rtl="0">
+              <a:spcBef>
+                <a:spcPts val="600"/>
+              </a:spcBef>
+              <a:spcAft>
+                <a:spcPts val="0"/>
+              </a:spcAft>
+              <a:buClr>
+                <a:schemeClr val="dk1"/>
+              </a:buClr>
+              <a:buSzPts val="1100"/>
+            </a:pPr>
+            <a:endParaRPr lang="pt-BR" dirty="0">
+              <a:solidFill>
+                <a:srgbClr val="263238"/>
+              </a:solidFill>
+              <a:latin typeface="Source Sans Pro"/>
+              <a:ea typeface="Source Sans Pro"/>
+              <a:cs typeface="Source Sans Pro"/>
+              <a:sym typeface="Source Sans Pro"/>
+            </a:endParaRPr>
+          </a:p>
+          <a:p>
+            <a:pPr lvl="0" algn="just" rtl="0">
+              <a:spcBef>
+                <a:spcPts val="600"/>
+              </a:spcBef>
+              <a:spcAft>
+                <a:spcPts val="0"/>
+              </a:spcAft>
+              <a:buClr>
+                <a:schemeClr val="dk1"/>
+              </a:buClr>
+              <a:buSzPts val="1100"/>
+            </a:pPr>
+            <a:endParaRPr lang="pt-BR" dirty="0">
+              <a:solidFill>
+                <a:srgbClr val="263238"/>
+              </a:solidFill>
+              <a:latin typeface="Source Sans Pro"/>
+              <a:ea typeface="Source Sans Pro"/>
+              <a:cs typeface="Source Sans Pro"/>
+              <a:sym typeface="Source Sans Pro"/>
+            </a:endParaRPr>
+          </a:p>
+        </p:txBody>
+      </p:sp>
+      <p:sp>
+        <p:nvSpPr>
+          <p:cNvPr id="79" name="Google Shape;79;p13"/>
+          <p:cNvSpPr txBox="1">
+            <a:spLocks noGrp="1"/>
+          </p:cNvSpPr>
+          <p:nvPr>
+            <p:ph type="sldNum" idx="12"/>
+          </p:nvPr>
+        </p:nvSpPr>
+        <p:spPr>
+          <a:xfrm>
+            <a:off x="8404384" y="4749851"/>
+            <a:ext cx="548700" cy="393600"/>
+          </a:xfrm>
+          <a:prstGeom prst="rect">
+            <a:avLst/>
+          </a:prstGeom>
+        </p:spPr>
+        <p:txBody>
+          <a:bodyPr spcFirstLastPara="1" wrap="square" lIns="91425" tIns="91425" rIns="91425" bIns="91425" anchor="t" anchorCtr="0">
+            <a:noAutofit/>
+          </a:bodyPr>
+          <a:lstStyle/>
+          <a:p>
+            <a:pPr marL="0" lvl="0" indent="0" algn="r" rtl="0">
+              <a:spcBef>
+                <a:spcPts val="0"/>
+              </a:spcBef>
+              <a:spcAft>
+                <a:spcPts val="0"/>
+              </a:spcAft>
+              <a:buNone/>
+            </a:pPr>
+            <a:fld id="{00000000-1234-1234-1234-123412341234}" type="slidenum">
+              <a:rPr lang="en"/>
+              <a:t>7</a:t>
+            </a:fld>
+            <a:endParaRPr/>
+          </a:p>
+        </p:txBody>
+      </p:sp>
+      <p:pic>
+        <p:nvPicPr>
+          <p:cNvPr id="7" name="Imagem 6">
+            <a:extLst>
+              <a:ext uri="{FF2B5EF4-FFF2-40B4-BE49-F238E27FC236}">
+                <a16:creationId xmlns:a16="http://schemas.microsoft.com/office/drawing/2014/main" id="{CE148A1C-A295-4F2A-93A5-BB14DECD1E50}"/>
+              </a:ext>
+            </a:extLst>
+          </p:cNvPr>
+          <p:cNvPicPr>
+            <a:picLocks noChangeAspect="1"/>
+          </p:cNvPicPr>
+          <p:nvPr/>
+        </p:nvPicPr>
+        <p:blipFill>
+          <a:blip r:embed="rId5"/>
+          <a:stretch>
+            <a:fillRect/>
+          </a:stretch>
+        </p:blipFill>
+        <p:spPr>
+          <a:xfrm>
+            <a:off x="63592" y="107395"/>
+            <a:ext cx="799951" cy="653588"/>
+          </a:xfrm>
+          <a:prstGeom prst="rect">
+            <a:avLst/>
+          </a:prstGeom>
+        </p:spPr>
+      </p:pic>
+      <p:sp>
+        <p:nvSpPr>
+          <p:cNvPr id="8" name="CaixaDeTexto 7">
+            <a:extLst>
+              <a:ext uri="{FF2B5EF4-FFF2-40B4-BE49-F238E27FC236}">
+                <a16:creationId xmlns:a16="http://schemas.microsoft.com/office/drawing/2014/main" id="{0D7D9B23-A64F-4BEB-BBB0-298DAA2F8EDD}"/>
+              </a:ext>
+            </a:extLst>
+          </p:cNvPr>
+          <p:cNvSpPr txBox="1"/>
+          <p:nvPr/>
+        </p:nvSpPr>
+        <p:spPr>
+          <a:xfrm>
+            <a:off x="7542028" y="4547298"/>
+            <a:ext cx="1491970" cy="769441"/>
+          </a:xfrm>
+          <a:prstGeom prst="rect">
+            <a:avLst/>
+          </a:prstGeom>
+          <a:noFill/>
+        </p:spPr>
+        <p:txBody>
+          <a:bodyPr wrap="square">
+            <a:spAutoFit/>
+          </a:bodyPr>
+          <a:lstStyle/>
+          <a:p>
+            <a:pPr algn="l"/>
+            <a:endParaRPr lang="pt-BR" sz="1600" b="0" i="0" u="none" strike="noStrike" baseline="0" dirty="0">
+              <a:solidFill>
+                <a:srgbClr val="000000"/>
+              </a:solidFill>
+              <a:latin typeface="Calibri" panose="020F0502020204030204" pitchFamily="34" charset="0"/>
+            </a:endParaRPr>
+          </a:p>
+          <a:p>
+            <a:r>
+              <a:rPr lang="pt-BR" sz="1400" b="0" i="0" u="none" strike="noStrike" baseline="0" dirty="0">
+                <a:solidFill>
+                  <a:srgbClr val="000000"/>
+                </a:solidFill>
+                <a:latin typeface="Calibri" panose="020F0502020204030204" pitchFamily="34" charset="0"/>
+              </a:rPr>
+              <a:t>Daniel Moraes</a:t>
+            </a:r>
+            <a:endParaRPr lang="pt-BR" dirty="0"/>
+          </a:p>
+          <a:p>
+            <a:endParaRPr lang="pt-BR" dirty="0"/>
+          </a:p>
+        </p:txBody>
+      </p:sp>
+      <p:pic>
+        <p:nvPicPr>
+          <p:cNvPr id="3" name="Imagem 2">
+            <a:extLst>
+              <a:ext uri="{FF2B5EF4-FFF2-40B4-BE49-F238E27FC236}">
+                <a16:creationId xmlns:a16="http://schemas.microsoft.com/office/drawing/2014/main" id="{CB33549B-5F68-4641-B9F2-2226A6E9AB9F}"/>
+              </a:ext>
+            </a:extLst>
+          </p:cNvPr>
+          <p:cNvPicPr>
+            <a:picLocks noChangeAspect="1"/>
+          </p:cNvPicPr>
+          <p:nvPr/>
+        </p:nvPicPr>
+        <p:blipFill>
+          <a:blip r:embed="rId6"/>
+          <a:stretch>
+            <a:fillRect/>
+          </a:stretch>
+        </p:blipFill>
+        <p:spPr>
+          <a:xfrm>
+            <a:off x="4918983" y="2650330"/>
+            <a:ext cx="2394915" cy="2378869"/>
+          </a:xfrm>
+          <a:prstGeom prst="rect">
+            <a:avLst/>
+          </a:prstGeom>
+        </p:spPr>
+      </p:pic>
+    </p:spTree>
+    <p:extLst>
+      <p:ext uri="{BB962C8B-B14F-4D97-AF65-F5344CB8AC3E}">
+        <p14:creationId xmlns:p14="http://schemas.microsoft.com/office/powerpoint/2010/main" val="1325084943"/>
+      </p:ext>
+    </p:extLst>
+  </p:cSld>
+  <p:clrMapOvr>
+    <a:masterClrMapping/>
+  </p:clrMapOvr>
+  <p:extLst>
+    <p:ext uri="{6950BFC3-D8DA-4A85-94F7-54DA5524770B}">
+      <p188:commentRel xmlns:p188="http://schemas.microsoft.com/office/powerpoint/2018/8/main" r:id="rId3"/>
+    </p:ext>
+  </p:extLst>
+</p:sld>
+</file>
+
+<file path=ppt/slides/slide8.xml><?xml version="1.0" encoding="utf-8"?>
 <p:sld xmlns:a="http://schemas.openxmlformats.org/drawingml/2006/main" xmlns:r="http://schemas.openxmlformats.org/officeDocument/2006/relationships" xmlns:p="http://schemas.openxmlformats.org/presentationml/2006/main">
   <p:cSld>
     <p:spTree>
